--- a/Plan présenation.pptx
+++ b/Plan présenation.pptx
@@ -2,29 +2,32 @@
 <file path=ppt/presentation.xml><?xml version="1.0" encoding="utf-8"?>
 <p:presentation xmlns:a="http://schemas.openxmlformats.org/drawingml/2006/main" xmlns:r="http://schemas.openxmlformats.org/officeDocument/2006/relationships" xmlns:p="http://schemas.openxmlformats.org/presentationml/2006/main" saveSubsetFonts="1">
   <p:sldMasterIdLst>
-    <p:sldMasterId id="2147483695" r:id="rId1"/>
+    <p:sldMasterId id="2147483695" r:id="rId4"/>
   </p:sldMasterIdLst>
   <p:sldIdLst>
-    <p:sldId id="256" r:id="rId2"/>
-    <p:sldId id="257" r:id="rId3"/>
-    <p:sldId id="258" r:id="rId4"/>
-    <p:sldId id="259" r:id="rId5"/>
-    <p:sldId id="260" r:id="rId6"/>
-    <p:sldId id="261" r:id="rId7"/>
-    <p:sldId id="262" r:id="rId8"/>
-    <p:sldId id="263" r:id="rId9"/>
-    <p:sldId id="264" r:id="rId10"/>
-    <p:sldId id="265" r:id="rId11"/>
-    <p:sldId id="266" r:id="rId12"/>
-    <p:sldId id="267" r:id="rId13"/>
-    <p:sldId id="268" r:id="rId14"/>
-    <p:sldId id="269" r:id="rId15"/>
-    <p:sldId id="270" r:id="rId16"/>
-    <p:sldId id="271" r:id="rId17"/>
-    <p:sldId id="272" r:id="rId18"/>
-    <p:sldId id="273" r:id="rId19"/>
-    <p:sldId id="274" r:id="rId20"/>
-    <p:sldId id="275" r:id="rId21"/>
+    <p:sldId id="256" r:id="rId5"/>
+    <p:sldId id="257" r:id="rId6"/>
+    <p:sldId id="258" r:id="rId7"/>
+    <p:sldId id="259" r:id="rId8"/>
+    <p:sldId id="260" r:id="rId9"/>
+    <p:sldId id="261" r:id="rId10"/>
+    <p:sldId id="262" r:id="rId11"/>
+    <p:sldId id="263" r:id="rId12"/>
+    <p:sldId id="276" r:id="rId13"/>
+    <p:sldId id="264" r:id="rId14"/>
+    <p:sldId id="265" r:id="rId15"/>
+    <p:sldId id="278" r:id="rId16"/>
+    <p:sldId id="266" r:id="rId17"/>
+    <p:sldId id="267" r:id="rId18"/>
+    <p:sldId id="277" r:id="rId19"/>
+    <p:sldId id="268" r:id="rId20"/>
+    <p:sldId id="269" r:id="rId21"/>
+    <p:sldId id="270" r:id="rId22"/>
+    <p:sldId id="271" r:id="rId23"/>
+    <p:sldId id="272" r:id="rId24"/>
+    <p:sldId id="273" r:id="rId25"/>
+    <p:sldId id="274" r:id="rId26"/>
+    <p:sldId id="275" r:id="rId27"/>
   </p:sldIdLst>
   <p:sldSz cx="12192000" cy="6858000"/>
   <p:notesSz cx="6858000" cy="9144000"/>
@@ -123,6 +126,11 @@
       </a:defRPr>
     </a:lvl9pPr>
   </p:defaultTextStyle>
+  <p:extLst>
+    <p:ext uri="{EFAFB233-063F-42B5-8137-9DF3F51BA10A}">
+      <p15:sldGuideLst xmlns:p15="http://schemas.microsoft.com/office/powerpoint/2012/main"/>
+    </p:ext>
+  </p:extLst>
 </p:presentation>
 </file>
 
@@ -314,7 +322,7 @@
           <a:p>
             <a:fld id="{01E9F85D-BDA6-4CEC-905A-6A68B32258C7}" type="datetimeFigureOut">
               <a:rPr lang="fr-FR" smtClean="0"/>
-              <a:t>18/05/2021</a:t>
+              <a:t>29/05/2021</a:t>
             </a:fld>
             <a:endParaRPr lang="fr-FR"/>
           </a:p>
@@ -443,7 +451,7 @@
           <a:p>
             <a:fld id="{4D76C695-2981-4600-A619-F6BFB74F6BD2}" type="slidenum">
               <a:rPr lang="fr-FR" smtClean="0"/>
-              <a:t>‹N°›</a:t>
+              <a:t>‹#›</a:t>
             </a:fld>
             <a:endParaRPr lang="fr-FR"/>
           </a:p>
@@ -652,7 +660,7 @@
           <a:p>
             <a:fld id="{01E9F85D-BDA6-4CEC-905A-6A68B32258C7}" type="datetimeFigureOut">
               <a:rPr lang="fr-FR" smtClean="0"/>
-              <a:t>18/05/2021</a:t>
+              <a:t>29/05/2021</a:t>
             </a:fld>
             <a:endParaRPr lang="fr-FR"/>
           </a:p>
@@ -781,7 +789,7 @@
           <a:p>
             <a:fld id="{4D76C695-2981-4600-A619-F6BFB74F6BD2}" type="slidenum">
               <a:rPr lang="fr-FR" smtClean="0"/>
-              <a:t>‹N°›</a:t>
+              <a:t>‹#›</a:t>
             </a:fld>
             <a:endParaRPr lang="fr-FR"/>
           </a:p>
@@ -1053,7 +1061,7 @@
           <a:p>
             <a:fld id="{01E9F85D-BDA6-4CEC-905A-6A68B32258C7}" type="datetimeFigureOut">
               <a:rPr lang="fr-FR" smtClean="0"/>
-              <a:t>18/05/2021</a:t>
+              <a:t>29/05/2021</a:t>
             </a:fld>
             <a:endParaRPr lang="fr-FR"/>
           </a:p>
@@ -1182,7 +1190,7 @@
           <a:p>
             <a:fld id="{4D76C695-2981-4600-A619-F6BFB74F6BD2}" type="slidenum">
               <a:rPr lang="fr-FR" smtClean="0"/>
-              <a:t>‹N°›</a:t>
+              <a:t>‹#›</a:t>
             </a:fld>
             <a:endParaRPr lang="fr-FR"/>
           </a:p>
@@ -1389,7 +1397,7 @@
           <a:p>
             <a:fld id="{01E9F85D-BDA6-4CEC-905A-6A68B32258C7}" type="datetimeFigureOut">
               <a:rPr lang="fr-FR" smtClean="0"/>
-              <a:t>18/05/2021</a:t>
+              <a:t>29/05/2021</a:t>
             </a:fld>
             <a:endParaRPr lang="fr-FR"/>
           </a:p>
@@ -1518,7 +1526,7 @@
           <a:p>
             <a:fld id="{4D76C695-2981-4600-A619-F6BFB74F6BD2}" type="slidenum">
               <a:rPr lang="fr-FR" smtClean="0"/>
-              <a:t>‹N°›</a:t>
+              <a:t>‹#›</a:t>
             </a:fld>
             <a:endParaRPr lang="fr-FR"/>
           </a:p>
@@ -1709,7 +1717,7 @@
           <a:p>
             <a:fld id="{01E9F85D-BDA6-4CEC-905A-6A68B32258C7}" type="datetimeFigureOut">
               <a:rPr lang="fr-FR" smtClean="0"/>
-              <a:t>18/05/2021</a:t>
+              <a:t>29/05/2021</a:t>
             </a:fld>
             <a:endParaRPr lang="fr-FR"/>
           </a:p>
@@ -1838,7 +1846,7 @@
           <a:p>
             <a:fld id="{4D76C695-2981-4600-A619-F6BFB74F6BD2}" type="slidenum">
               <a:rPr lang="fr-FR" smtClean="0"/>
-              <a:t>‹N°›</a:t>
+              <a:t>‹#›</a:t>
             </a:fld>
             <a:endParaRPr lang="fr-FR"/>
           </a:p>
@@ -2105,7 +2113,7 @@
           <a:p>
             <a:fld id="{01E9F85D-BDA6-4CEC-905A-6A68B32258C7}" type="datetimeFigureOut">
               <a:rPr lang="fr-FR" smtClean="0"/>
-              <a:t>18/05/2021</a:t>
+              <a:t>29/05/2021</a:t>
             </a:fld>
             <a:endParaRPr lang="fr-FR"/>
           </a:p>
@@ -2234,7 +2242,7 @@
           <a:p>
             <a:fld id="{4D76C695-2981-4600-A619-F6BFB74F6BD2}" type="slidenum">
               <a:rPr lang="fr-FR" smtClean="0"/>
-              <a:t>‹N°›</a:t>
+              <a:t>‹#›</a:t>
             </a:fld>
             <a:endParaRPr lang="fr-FR"/>
           </a:p>
@@ -2362,7 +2370,7 @@
           <a:p>
             <a:fld id="{01E9F85D-BDA6-4CEC-905A-6A68B32258C7}" type="datetimeFigureOut">
               <a:rPr lang="fr-FR" smtClean="0"/>
-              <a:t>18/05/2021</a:t>
+              <a:t>29/05/2021</a:t>
             </a:fld>
             <a:endParaRPr lang="fr-FR"/>
           </a:p>
@@ -2486,7 +2494,7 @@
           <a:p>
             <a:fld id="{4D76C695-2981-4600-A619-F6BFB74F6BD2}" type="slidenum">
               <a:rPr lang="fr-FR" smtClean="0"/>
-              <a:t>‹N°›</a:t>
+              <a:t>‹#›</a:t>
             </a:fld>
             <a:endParaRPr lang="fr-FR"/>
           </a:p>
@@ -2624,7 +2632,7 @@
           <a:p>
             <a:fld id="{01E9F85D-BDA6-4CEC-905A-6A68B32258C7}" type="datetimeFigureOut">
               <a:rPr lang="fr-FR" smtClean="0"/>
-              <a:t>18/05/2021</a:t>
+              <a:t>29/05/2021</a:t>
             </a:fld>
             <a:endParaRPr lang="fr-FR"/>
           </a:p>
@@ -2748,7 +2756,7 @@
           <a:p>
             <a:fld id="{4D76C695-2981-4600-A619-F6BFB74F6BD2}" type="slidenum">
               <a:rPr lang="fr-FR" smtClean="0"/>
-              <a:t>‹N°›</a:t>
+              <a:t>‹#›</a:t>
             </a:fld>
             <a:endParaRPr lang="fr-FR"/>
           </a:p>
@@ -2886,7 +2894,7 @@
           <a:p>
             <a:fld id="{01E9F85D-BDA6-4CEC-905A-6A68B32258C7}" type="datetimeFigureOut">
               <a:rPr lang="fr-FR" smtClean="0"/>
-              <a:t>18/05/2021</a:t>
+              <a:t>29/05/2021</a:t>
             </a:fld>
             <a:endParaRPr lang="fr-FR"/>
           </a:p>
@@ -3010,7 +3018,7 @@
           <a:p>
             <a:fld id="{4D76C695-2981-4600-A619-F6BFB74F6BD2}" type="slidenum">
               <a:rPr lang="fr-FR" smtClean="0"/>
-              <a:t>‹N°›</a:t>
+              <a:t>‹#›</a:t>
             </a:fld>
             <a:endParaRPr lang="fr-FR"/>
           </a:p>
@@ -3215,7 +3223,7 @@
           <a:p>
             <a:fld id="{01E9F85D-BDA6-4CEC-905A-6A68B32258C7}" type="datetimeFigureOut">
               <a:rPr lang="fr-FR" smtClean="0"/>
-              <a:t>18/05/2021</a:t>
+              <a:t>29/05/2021</a:t>
             </a:fld>
             <a:endParaRPr lang="fr-FR"/>
           </a:p>
@@ -3344,7 +3352,7 @@
           <a:p>
             <a:fld id="{4D76C695-2981-4600-A619-F6BFB74F6BD2}" type="slidenum">
               <a:rPr lang="fr-FR" smtClean="0"/>
-              <a:t>‹N°›</a:t>
+              <a:t>‹#›</a:t>
             </a:fld>
             <a:endParaRPr lang="fr-FR"/>
           </a:p>
@@ -3538,7 +3546,7 @@
           <a:p>
             <a:fld id="{01E9F85D-BDA6-4CEC-905A-6A68B32258C7}" type="datetimeFigureOut">
               <a:rPr lang="fr-FR" smtClean="0"/>
-              <a:t>18/05/2021</a:t>
+              <a:t>29/05/2021</a:t>
             </a:fld>
             <a:endParaRPr lang="fr-FR"/>
           </a:p>
@@ -3667,7 +3675,7 @@
           <a:p>
             <a:fld id="{4D76C695-2981-4600-A619-F6BFB74F6BD2}" type="slidenum">
               <a:rPr lang="fr-FR" smtClean="0"/>
-              <a:t>‹N°›</a:t>
+              <a:t>‹#›</a:t>
             </a:fld>
             <a:endParaRPr lang="fr-FR"/>
           </a:p>
@@ -3995,7 +4003,7 @@
           <a:p>
             <a:fld id="{01E9F85D-BDA6-4CEC-905A-6A68B32258C7}" type="datetimeFigureOut">
               <a:rPr lang="fr-FR" smtClean="0"/>
-              <a:t>18/05/2021</a:t>
+              <a:t>29/05/2021</a:t>
             </a:fld>
             <a:endParaRPr lang="fr-FR"/>
           </a:p>
@@ -4124,7 +4132,7 @@
           <a:p>
             <a:fld id="{4D76C695-2981-4600-A619-F6BFB74F6BD2}" type="slidenum">
               <a:rPr lang="fr-FR" smtClean="0"/>
-              <a:t>‹N°›</a:t>
+              <a:t>‹#›</a:t>
             </a:fld>
             <a:endParaRPr lang="fr-FR"/>
           </a:p>
@@ -4200,7 +4208,7 @@
           <a:p>
             <a:fld id="{01E9F85D-BDA6-4CEC-905A-6A68B32258C7}" type="datetimeFigureOut">
               <a:rPr lang="fr-FR" smtClean="0"/>
-              <a:t>18/05/2021</a:t>
+              <a:t>29/05/2021</a:t>
             </a:fld>
             <a:endParaRPr lang="fr-FR"/>
           </a:p>
@@ -4324,7 +4332,7 @@
           <a:p>
             <a:fld id="{4D76C695-2981-4600-A619-F6BFB74F6BD2}" type="slidenum">
               <a:rPr lang="fr-FR" smtClean="0"/>
-              <a:t>‹N°›</a:t>
+              <a:t>‹#›</a:t>
             </a:fld>
             <a:endParaRPr lang="fr-FR"/>
           </a:p>
@@ -4377,7 +4385,7 @@
           <a:p>
             <a:fld id="{01E9F85D-BDA6-4CEC-905A-6A68B32258C7}" type="datetimeFigureOut">
               <a:rPr lang="fr-FR" smtClean="0"/>
-              <a:t>18/05/2021</a:t>
+              <a:t>29/05/2021</a:t>
             </a:fld>
             <a:endParaRPr lang="fr-FR"/>
           </a:p>
@@ -4501,7 +4509,7 @@
           <a:p>
             <a:fld id="{4D76C695-2981-4600-A619-F6BFB74F6BD2}" type="slidenum">
               <a:rPr lang="fr-FR" smtClean="0"/>
-              <a:t>‹N°›</a:t>
+              <a:t>‹#›</a:t>
             </a:fld>
             <a:endParaRPr lang="fr-FR"/>
           </a:p>
@@ -4710,7 +4718,7 @@
           <a:p>
             <a:fld id="{01E9F85D-BDA6-4CEC-905A-6A68B32258C7}" type="datetimeFigureOut">
               <a:rPr lang="fr-FR" smtClean="0"/>
-              <a:t>18/05/2021</a:t>
+              <a:t>29/05/2021</a:t>
             </a:fld>
             <a:endParaRPr lang="fr-FR"/>
           </a:p>
@@ -4834,7 +4842,7 @@
           <a:p>
             <a:fld id="{4D76C695-2981-4600-A619-F6BFB74F6BD2}" type="slidenum">
               <a:rPr lang="fr-FR" smtClean="0"/>
-              <a:t>‹N°›</a:t>
+              <a:t>‹#›</a:t>
             </a:fld>
             <a:endParaRPr lang="fr-FR"/>
           </a:p>
@@ -5055,7 +5063,7 @@
           <a:p>
             <a:fld id="{01E9F85D-BDA6-4CEC-905A-6A68B32258C7}" type="datetimeFigureOut">
               <a:rPr lang="fr-FR" smtClean="0"/>
-              <a:t>18/05/2021</a:t>
+              <a:t>29/05/2021</a:t>
             </a:fld>
             <a:endParaRPr lang="fr-FR"/>
           </a:p>
@@ -5184,7 +5192,7 @@
           <a:p>
             <a:fld id="{4D76C695-2981-4600-A619-F6BFB74F6BD2}" type="slidenum">
               <a:rPr lang="fr-FR" smtClean="0"/>
-              <a:t>‹N°›</a:t>
+              <a:t>‹#›</a:t>
             </a:fld>
             <a:endParaRPr lang="fr-FR"/>
           </a:p>
@@ -7172,7 +7180,7 @@
           <a:p>
             <a:fld id="{01E9F85D-BDA6-4CEC-905A-6A68B32258C7}" type="datetimeFigureOut">
               <a:rPr lang="fr-FR" smtClean="0"/>
-              <a:t>18/05/2021</a:t>
+              <a:t>29/05/2021</a:t>
             </a:fld>
             <a:endParaRPr lang="fr-FR"/>
           </a:p>
@@ -7248,7 +7256,7 @@
           <a:p>
             <a:fld id="{4D76C695-2981-4600-A619-F6BFB74F6BD2}" type="slidenum">
               <a:rPr lang="fr-FR" smtClean="0"/>
-              <a:t>‹N°›</a:t>
+              <a:t>‹#›</a:t>
             </a:fld>
             <a:endParaRPr lang="fr-FR"/>
           </a:p>
@@ -7695,7 +7703,7 @@
           <p:cNvPr id="2" name="Titre 1">
             <a:extLst>
               <a:ext uri="{FF2B5EF4-FFF2-40B4-BE49-F238E27FC236}">
-                <a16:creationId xmlns:a16="http://schemas.microsoft.com/office/drawing/2014/main" id="{3CD0E6F3-12A6-4904-B5F8-0546E22B1C8B}"/>
+                <a16:creationId xmlns:a16="http://schemas.microsoft.com/office/drawing/2014/main" xmlns="" id="{3CD0E6F3-12A6-4904-B5F8-0546E22B1C8B}"/>
               </a:ext>
             </a:extLst>
           </p:cNvPr>
@@ -7728,7 +7736,7 @@
           <p:cNvPr id="3" name="Sous-titre 2">
             <a:extLst>
               <a:ext uri="{FF2B5EF4-FFF2-40B4-BE49-F238E27FC236}">
-                <a16:creationId xmlns:a16="http://schemas.microsoft.com/office/drawing/2014/main" id="{6F80A6E5-EE73-4D3E-91C3-208402D2C842}"/>
+                <a16:creationId xmlns:a16="http://schemas.microsoft.com/office/drawing/2014/main" xmlns="" id="{6F80A6E5-EE73-4D3E-91C3-208402D2C842}"/>
               </a:ext>
             </a:extLst>
           </p:cNvPr>
@@ -7763,7 +7771,7 @@
           <p:cNvPr id="4" name="ZoneTexte 3">
             <a:extLst>
               <a:ext uri="{FF2B5EF4-FFF2-40B4-BE49-F238E27FC236}">
-                <a16:creationId xmlns:a16="http://schemas.microsoft.com/office/drawing/2014/main" id="{EF36FBD9-A202-4B32-8C93-44073C5E8F42}"/>
+                <a16:creationId xmlns:a16="http://schemas.microsoft.com/office/drawing/2014/main" xmlns="" id="{EF36FBD9-A202-4B32-8C93-44073C5E8F42}"/>
               </a:ext>
             </a:extLst>
           </p:cNvPr>
@@ -7815,6 +7823,13 @@
   <p:clrMapOvr>
     <a:masterClrMapping/>
   </p:clrMapOvr>
+  <p:timing>
+    <p:tnLst>
+      <p:par>
+        <p:cTn id="1" dur="indefinite" restart="never" nodeType="tmRoot"/>
+      </p:par>
+    </p:tnLst>
+  </p:timing>
 </p:sld>
 </file>
 
@@ -7840,7 +7855,7 @@
           <p:cNvPr id="2" name="Titre 1">
             <a:extLst>
               <a:ext uri="{FF2B5EF4-FFF2-40B4-BE49-F238E27FC236}">
-                <a16:creationId xmlns:a16="http://schemas.microsoft.com/office/drawing/2014/main" id="{6A1761F0-7A80-4224-B44E-37B504C3A072}"/>
+                <a16:creationId xmlns:a16="http://schemas.microsoft.com/office/drawing/2014/main" xmlns="" id="{E3DFEB6A-87DD-4873-A6CC-10B868FA08DF}"/>
               </a:ext>
             </a:extLst>
           </p:cNvPr>
@@ -7853,12 +7868,14 @@
         </p:nvSpPr>
         <p:spPr/>
         <p:txBody>
-          <a:bodyPr/>
+          <a:bodyPr>
+            <a:normAutofit/>
+          </a:bodyPr>
           <a:lstStyle/>
           <a:p>
             <a:r>
-              <a:rPr lang="fr-FR" dirty="0"/>
-              <a:t>2.3 Dictionnaire de données</a:t>
+              <a:rPr lang="fr-FR" sz="3200" dirty="0"/>
+              <a:t>2.2 Choix de la méthode de conception</a:t>
             </a:r>
           </a:p>
         </p:txBody>
@@ -7868,7 +7885,7 @@
           <p:cNvPr id="3" name="Espace réservé du contenu 2">
             <a:extLst>
               <a:ext uri="{FF2B5EF4-FFF2-40B4-BE49-F238E27FC236}">
-                <a16:creationId xmlns:a16="http://schemas.microsoft.com/office/drawing/2014/main" id="{16BB0308-C897-4DB4-B55D-FD8FC66514D8}"/>
+                <a16:creationId xmlns:a16="http://schemas.microsoft.com/office/drawing/2014/main" xmlns="" id="{69CB01BF-6A35-4A4E-88EB-9A76330E6052}"/>
               </a:ext>
             </a:extLst>
           </p:cNvPr>
@@ -7881,9 +7898,18 @@
         </p:nvSpPr>
         <p:spPr/>
         <p:txBody>
-          <a:bodyPr/>
+          <a:bodyPr>
+            <a:normAutofit/>
+          </a:bodyPr>
           <a:lstStyle/>
           <a:p>
+            <a:pPr marL="0" indent="0">
+              <a:buNone/>
+            </a:pPr>
+            <a:r>
+              <a:rPr lang="fr-FR" dirty="0"/>
+              <a:t>on a choisi comme méthode de conception Merise parce que la méthode la plus adaptée de projet  elle fournit un ensemble des modèles comme le modèle de conception de données  que permet  représenter les relations entre les données. ensuite  le modèle logique de données qui à décrire la structure de données ..</a:t>
+            </a:r>
             <a:endParaRPr lang="fr-FR" dirty="0"/>
           </a:p>
         </p:txBody>
@@ -7891,13 +7917,20 @@
     </p:spTree>
     <p:extLst>
       <p:ext uri="{BB962C8B-B14F-4D97-AF65-F5344CB8AC3E}">
-        <p14:creationId xmlns:p14="http://schemas.microsoft.com/office/powerpoint/2010/main" val="3207887404"/>
+        <p14:creationId xmlns:p14="http://schemas.microsoft.com/office/powerpoint/2010/main" val="3945558267"/>
       </p:ext>
     </p:extLst>
   </p:cSld>
   <p:clrMapOvr>
     <a:masterClrMapping/>
   </p:clrMapOvr>
+  <p:timing>
+    <p:tnLst>
+      <p:par>
+        <p:cTn id="1" dur="indefinite" restart="never" nodeType="tmRoot"/>
+      </p:par>
+    </p:tnLst>
+  </p:timing>
 </p:sld>
 </file>
 
@@ -7923,7 +7956,7 @@
           <p:cNvPr id="2" name="Titre 1">
             <a:extLst>
               <a:ext uri="{FF2B5EF4-FFF2-40B4-BE49-F238E27FC236}">
-                <a16:creationId xmlns:a16="http://schemas.microsoft.com/office/drawing/2014/main" id="{86B26639-F11D-464B-BEF4-18F0D9E80DB8}"/>
+                <a16:creationId xmlns:a16="http://schemas.microsoft.com/office/drawing/2014/main" xmlns="" id="{6A1761F0-7A80-4224-B44E-37B504C3A072}"/>
               </a:ext>
             </a:extLst>
           </p:cNvPr>
@@ -7941,7 +7974,7 @@
           <a:p>
             <a:r>
               <a:rPr lang="fr-FR" dirty="0"/>
-              <a:t>2.4 modèle conceptuel de données </a:t>
+              <a:t>2.3 Dictionnaire de données</a:t>
             </a:r>
           </a:p>
         </p:txBody>
@@ -7951,7 +7984,7 @@
           <p:cNvPr id="3" name="Espace réservé du contenu 2">
             <a:extLst>
               <a:ext uri="{FF2B5EF4-FFF2-40B4-BE49-F238E27FC236}">
-                <a16:creationId xmlns:a16="http://schemas.microsoft.com/office/drawing/2014/main" id="{DF6E09EB-7153-42C6-85D6-03CBC0456154}"/>
+                <a16:creationId xmlns:a16="http://schemas.microsoft.com/office/drawing/2014/main" xmlns="" id="{16BB0308-C897-4DB4-B55D-FD8FC66514D8}"/>
               </a:ext>
             </a:extLst>
           </p:cNvPr>
@@ -7974,13 +8007,20 @@
     </p:spTree>
     <p:extLst>
       <p:ext uri="{BB962C8B-B14F-4D97-AF65-F5344CB8AC3E}">
-        <p14:creationId xmlns:p14="http://schemas.microsoft.com/office/powerpoint/2010/main" val="1554684873"/>
+        <p14:creationId xmlns:p14="http://schemas.microsoft.com/office/powerpoint/2010/main" val="3207887404"/>
       </p:ext>
     </p:extLst>
   </p:cSld>
   <p:clrMapOvr>
     <a:masterClrMapping/>
   </p:clrMapOvr>
+  <p:timing>
+    <p:tnLst>
+      <p:par>
+        <p:cTn id="1" dur="indefinite" restart="never" nodeType="tmRoot"/>
+      </p:par>
+    </p:tnLst>
+  </p:timing>
 </p:sld>
 </file>
 
@@ -8003,13 +8043,7 @@
       </p:grpSpPr>
       <p:sp>
         <p:nvSpPr>
-          <p:cNvPr id="2" name="Titre 1">
-            <a:extLst>
-              <a:ext uri="{FF2B5EF4-FFF2-40B4-BE49-F238E27FC236}">
-                <a16:creationId xmlns:a16="http://schemas.microsoft.com/office/drawing/2014/main" id="{8FB685D7-1806-4FD9-87DB-E67276E29025}"/>
-              </a:ext>
-            </a:extLst>
-          </p:cNvPr>
+          <p:cNvPr id="2" name="Title 1"/>
           <p:cNvSpPr>
             <a:spLocks noGrp="1"/>
           </p:cNvSpPr>
@@ -8023,21 +8057,24 @@
           <a:lstStyle/>
           <a:p>
             <a:r>
-              <a:rPr lang="fr-FR" dirty="0"/>
-              <a:t>2.5 Le modèle logique de données </a:t>
-            </a:r>
-          </a:p>
-        </p:txBody>
-      </p:sp>
-      <p:sp>
-        <p:nvSpPr>
-          <p:cNvPr id="3" name="Espace réservé du contenu 2">
-            <a:extLst>
-              <a:ext uri="{FF2B5EF4-FFF2-40B4-BE49-F238E27FC236}">
-                <a16:creationId xmlns:a16="http://schemas.microsoft.com/office/drawing/2014/main" id="{C2999A97-A144-4DC0-A0E3-C821511298EC}"/>
-              </a:ext>
-            </a:extLst>
-          </p:cNvPr>
+              <a:rPr lang="fr-FR" dirty="0" err="1" smtClean="0"/>
+              <a:t>Hadchi</a:t>
+            </a:r>
+            <a:r>
+              <a:rPr lang="fr-FR" dirty="0" smtClean="0"/>
+              <a:t> bit </a:t>
+            </a:r>
+            <a:r>
+              <a:rPr lang="fr-FR" dirty="0" err="1" smtClean="0"/>
+              <a:t>ngol</a:t>
+            </a:r>
+            <a:endParaRPr lang="fr-FR" dirty="0"/>
+          </a:p>
+        </p:txBody>
+      </p:sp>
+      <p:sp>
+        <p:nvSpPr>
+          <p:cNvPr id="3" name="Content Placeholder 2"/>
           <p:cNvSpPr>
             <a:spLocks noGrp="1"/>
           </p:cNvSpPr>
@@ -8049,6 +8086,94 @@
         <p:txBody>
           <a:bodyPr/>
           <a:lstStyle/>
+          <a:p>
+            <a:r>
+              <a:rPr lang="fr-FR" dirty="0"/>
+              <a:t>la propriété nom de produit n'est pas répété sur la table</a:t>
+            </a:r>
+          </a:p>
+          <a:p>
+            <a:r>
+              <a:rPr lang="fr-FR" dirty="0"/>
+              <a:t>la propriété nom de catégorie n'est pas répété sur la </a:t>
+            </a:r>
+            <a:r>
+              <a:rPr lang="fr-FR" dirty="0" smtClean="0"/>
+              <a:t>table</a:t>
+            </a:r>
+          </a:p>
+          <a:p>
+            <a:r>
+              <a:rPr lang="fr-FR" dirty="0"/>
+              <a:t>la propriété login n'est pas répété sur la </a:t>
+            </a:r>
+            <a:r>
+              <a:rPr lang="fr-FR" dirty="0" smtClean="0"/>
+              <a:t>table</a:t>
+            </a:r>
+            <a:endParaRPr lang="fr-FR" dirty="0"/>
+          </a:p>
+          <a:p>
+            <a:r>
+              <a:rPr lang="fr-FR" dirty="0" smtClean="0"/>
+              <a:t>le </a:t>
+            </a:r>
+            <a:r>
+              <a:rPr lang="fr-FR" dirty="0"/>
+              <a:t>propriété login et </a:t>
+            </a:r>
+            <a:r>
+              <a:rPr lang="fr-FR" dirty="0" err="1"/>
+              <a:t>password</a:t>
+            </a:r>
+            <a:r>
+              <a:rPr lang="fr-FR" dirty="0"/>
+              <a:t> est qui permet authentification </a:t>
+            </a:r>
+            <a:r>
+              <a:rPr lang="fr-FR" dirty="0" smtClean="0"/>
+              <a:t>utilisateur</a:t>
+            </a:r>
+          </a:p>
+          <a:p>
+            <a:r>
+              <a:rPr lang="fr-FR" dirty="0" smtClean="0"/>
+              <a:t>la </a:t>
+            </a:r>
+            <a:r>
+              <a:rPr lang="fr-FR" dirty="0"/>
+              <a:t>propriété NomFournisseur </a:t>
+            </a:r>
+            <a:r>
+              <a:rPr lang="fr-FR" dirty="0" smtClean="0"/>
+              <a:t> n'est </a:t>
+            </a:r>
+            <a:r>
+              <a:rPr lang="fr-FR" dirty="0"/>
+              <a:t>pas répété sur la table</a:t>
+            </a:r>
+          </a:p>
+          <a:p>
+            <a:r>
+              <a:rPr lang="fr-FR" dirty="0"/>
+              <a:t>la propriété </a:t>
+            </a:r>
+            <a:r>
+              <a:rPr lang="fr-FR" dirty="0" err="1" smtClean="0"/>
+              <a:t>QuantiteVendu</a:t>
+            </a:r>
+            <a:r>
+              <a:rPr lang="fr-FR" dirty="0" smtClean="0"/>
+              <a:t> est </a:t>
+            </a:r>
+            <a:r>
+              <a:rPr lang="fr-FR" dirty="0"/>
+              <a:t>qui permet la quantité de produit  commandée de client</a:t>
+            </a:r>
+          </a:p>
+          <a:p>
+            <a:endParaRPr lang="fr-FR" dirty="0"/>
+          </a:p>
           <a:p>
             <a:endParaRPr lang="fr-FR" dirty="0"/>
           </a:p>
@@ -8057,7 +8182,7 @@
     </p:spTree>
     <p:extLst>
       <p:ext uri="{BB962C8B-B14F-4D97-AF65-F5344CB8AC3E}">
-        <p14:creationId xmlns:p14="http://schemas.microsoft.com/office/powerpoint/2010/main" val="2789406737"/>
+        <p14:creationId xmlns:p14="http://schemas.microsoft.com/office/powerpoint/2010/main" val="4150533899"/>
       </p:ext>
     </p:extLst>
   </p:cSld>
@@ -8086,10 +8211,10 @@
       </p:grpSpPr>
       <p:sp>
         <p:nvSpPr>
-          <p:cNvPr id="4" name="Titre 1">
+          <p:cNvPr id="2" name="Titre 1">
             <a:extLst>
               <a:ext uri="{FF2B5EF4-FFF2-40B4-BE49-F238E27FC236}">
-                <a16:creationId xmlns:a16="http://schemas.microsoft.com/office/drawing/2014/main" id="{5533968A-C80C-4ADF-9375-14DD9A34F288}"/>
+                <a16:creationId xmlns:a16="http://schemas.microsoft.com/office/drawing/2014/main" xmlns="" id="{86B26639-F11D-464B-BEF4-18F0D9E80DB8}"/>
               </a:ext>
             </a:extLst>
           </p:cNvPr>
@@ -8100,33 +8225,60 @@
             <p:ph type="title"/>
           </p:nvPr>
         </p:nvSpPr>
-        <p:spPr>
-          <a:xfrm>
-            <a:off x="2457459" y="2588377"/>
-            <a:ext cx="8911687" cy="1280890"/>
-          </a:xfrm>
-        </p:spPr>
+        <p:spPr/>
         <p:txBody>
           <a:bodyPr/>
           <a:lstStyle/>
           <a:p>
             <a:r>
               <a:rPr lang="fr-FR" dirty="0"/>
-              <a:t>Chapitre 3: Réalisation et mise en œuvre</a:t>
-            </a:r>
+              <a:t>2.4 modèle conceptuel de données </a:t>
+            </a:r>
+          </a:p>
+        </p:txBody>
+      </p:sp>
+      <p:sp>
+        <p:nvSpPr>
+          <p:cNvPr id="3" name="Espace réservé du contenu 2">
+            <a:extLst>
+              <a:ext uri="{FF2B5EF4-FFF2-40B4-BE49-F238E27FC236}">
+                <a16:creationId xmlns:a16="http://schemas.microsoft.com/office/drawing/2014/main" xmlns="" id="{DF6E09EB-7153-42C6-85D6-03CBC0456154}"/>
+              </a:ext>
+            </a:extLst>
+          </p:cNvPr>
+          <p:cNvSpPr>
+            <a:spLocks noGrp="1"/>
+          </p:cNvSpPr>
+          <p:nvPr>
+            <p:ph idx="1"/>
+          </p:nvPr>
+        </p:nvSpPr>
+        <p:spPr/>
+        <p:txBody>
+          <a:bodyPr/>
+          <a:lstStyle/>
+          <a:p>
+            <a:endParaRPr lang="fr-FR" dirty="0"/>
           </a:p>
         </p:txBody>
       </p:sp>
     </p:spTree>
     <p:extLst>
       <p:ext uri="{BB962C8B-B14F-4D97-AF65-F5344CB8AC3E}">
-        <p14:creationId xmlns:p14="http://schemas.microsoft.com/office/powerpoint/2010/main" val="2411107603"/>
+        <p14:creationId xmlns:p14="http://schemas.microsoft.com/office/powerpoint/2010/main" val="1554684873"/>
       </p:ext>
     </p:extLst>
   </p:cSld>
   <p:clrMapOvr>
     <a:masterClrMapping/>
   </p:clrMapOvr>
+  <p:timing>
+    <p:tnLst>
+      <p:par>
+        <p:cTn id="1" dur="indefinite" restart="never" nodeType="tmRoot"/>
+      </p:par>
+    </p:tnLst>
+  </p:timing>
 </p:sld>
 </file>
 
@@ -8152,7 +8304,7 @@
           <p:cNvPr id="2" name="Titre 1">
             <a:extLst>
               <a:ext uri="{FF2B5EF4-FFF2-40B4-BE49-F238E27FC236}">
-                <a16:creationId xmlns:a16="http://schemas.microsoft.com/office/drawing/2014/main" id="{D101077D-60D8-460C-996F-DE88BA3F9308}"/>
+                <a16:creationId xmlns:a16="http://schemas.microsoft.com/office/drawing/2014/main" xmlns="" id="{8FB685D7-1806-4FD9-87DB-E67276E29025}"/>
               </a:ext>
             </a:extLst>
           </p:cNvPr>
@@ -8170,7 +8322,7 @@
           <a:p>
             <a:r>
               <a:rPr lang="fr-FR" dirty="0"/>
-              <a:t>3.1 Outils de travail</a:t>
+              <a:t>2.5 Le modèle logique de données </a:t>
             </a:r>
           </a:p>
         </p:txBody>
@@ -8180,7 +8332,7 @@
           <p:cNvPr id="3" name="Espace réservé du contenu 2">
             <a:extLst>
               <a:ext uri="{FF2B5EF4-FFF2-40B4-BE49-F238E27FC236}">
-                <a16:creationId xmlns:a16="http://schemas.microsoft.com/office/drawing/2014/main" id="{FD234C09-5A8C-41B9-8594-975339A46848}"/>
+                <a16:creationId xmlns:a16="http://schemas.microsoft.com/office/drawing/2014/main" xmlns="" id="{C2999A97-A144-4DC0-A0E3-C821511298EC}"/>
               </a:ext>
             </a:extLst>
           </p:cNvPr>
@@ -8193,53 +8345,204 @@
         </p:nvSpPr>
         <p:spPr/>
         <p:txBody>
-          <a:bodyPr/>
+          <a:bodyPr>
+            <a:normAutofit fontScale="92500" lnSpcReduction="20000"/>
+          </a:bodyPr>
           <a:lstStyle/>
           <a:p>
+            <a:pPr lvl="0"/>
+            <a:r>
+              <a:rPr lang="fr-FR" b="1" dirty="0"/>
+              <a:t>Fournisseur = (</a:t>
+            </a:r>
+            <a:r>
+              <a:rPr lang="fr-FR" u="sng" dirty="0"/>
+              <a:t>NumFournisseur</a:t>
+            </a:r>
             <a:r>
               <a:rPr lang="fr-FR" dirty="0"/>
-              <a:t>PHP</a:t>
-            </a:r>
-          </a:p>
-          <a:p>
-            <a:endParaRPr lang="fr-FR" dirty="0"/>
-          </a:p>
-          <a:p>
+              <a:t>, NomFournisseur, TelFournisseur, AdresseFournisseur);</a:t>
+            </a:r>
+          </a:p>
+          <a:p>
+            <a:pPr lvl="0"/>
+            <a:r>
+              <a:rPr lang="fr-FR" b="1" dirty="0"/>
+              <a:t>Utilisateurs</a:t>
+            </a:r>
             <a:r>
               <a:rPr lang="fr-FR" dirty="0"/>
-              <a:t>MYSQL</a:t>
-            </a:r>
-          </a:p>
-          <a:p>
-            <a:endParaRPr lang="fr-FR" dirty="0"/>
-          </a:p>
-          <a:p>
+              <a:t> = (</a:t>
+            </a:r>
+            <a:r>
+              <a:rPr lang="fr-FR" u="sng" dirty="0"/>
+              <a:t>NumUtilisateur</a:t>
+            </a:r>
             <a:r>
               <a:rPr lang="fr-FR" dirty="0"/>
-              <a:t>APACHE</a:t>
-            </a:r>
-          </a:p>
-          <a:p>
-            <a:endParaRPr lang="fr-FR" dirty="0"/>
-          </a:p>
-          <a:p>
+              <a:t>, Nom, Prenom, Tel, Adresse, Role, </a:t>
+            </a:r>
+            <a:r>
+              <a:rPr lang="fr-FR" b="1" dirty="0"/>
+              <a:t>Login</a:t>
+            </a:r>
             <a:r>
               <a:rPr lang="fr-FR" dirty="0"/>
-              <a:t>………</a:t>
-            </a:r>
+              <a:t>, PassWord);</a:t>
+            </a:r>
+          </a:p>
+          <a:p>
+            <a:pPr lvl="0"/>
+            <a:r>
+              <a:rPr lang="fr-FR" b="1" dirty="0"/>
+              <a:t>Categories</a:t>
+            </a:r>
+            <a:r>
+              <a:rPr lang="fr-FR" dirty="0"/>
+              <a:t> = (</a:t>
+            </a:r>
+            <a:r>
+              <a:rPr lang="fr-FR" u="sng" dirty="0"/>
+              <a:t>NumCategorie</a:t>
+            </a:r>
+            <a:r>
+              <a:rPr lang="fr-FR" dirty="0"/>
+              <a:t>, </a:t>
+            </a:r>
+            <a:r>
+              <a:rPr lang="fr-FR" b="1" dirty="0"/>
+              <a:t>Nom</a:t>
+            </a:r>
+            <a:r>
+              <a:rPr lang="fr-FR" dirty="0"/>
+              <a:t>);</a:t>
+            </a:r>
+          </a:p>
+          <a:p>
+            <a:pPr lvl="0"/>
+            <a:r>
+              <a:rPr lang="fr-FR" b="1" dirty="0"/>
+              <a:t>Reparation</a:t>
+            </a:r>
+            <a:r>
+              <a:rPr lang="fr-FR" dirty="0"/>
+              <a:t> = (</a:t>
+            </a:r>
+            <a:r>
+              <a:rPr lang="fr-FR" u="sng" dirty="0"/>
+              <a:t>NumReparation</a:t>
+            </a:r>
+            <a:r>
+              <a:rPr lang="fr-FR" dirty="0"/>
+              <a:t>, TitreReparation, PrixPeparation, DateReparation, Commentaire, #NumUtilisateur);</a:t>
+            </a:r>
+          </a:p>
+          <a:p>
+            <a:pPr lvl="0"/>
+            <a:r>
+              <a:rPr lang="fr-FR" b="1" dirty="0"/>
+              <a:t>Produit</a:t>
+            </a:r>
+            <a:r>
+              <a:rPr lang="fr-FR" dirty="0"/>
+              <a:t> = (</a:t>
+            </a:r>
+            <a:r>
+              <a:rPr lang="fr-FR" u="sng" dirty="0"/>
+              <a:t>NumProduit</a:t>
+            </a:r>
+            <a:r>
+              <a:rPr lang="fr-FR" dirty="0"/>
+              <a:t>, </a:t>
+            </a:r>
+            <a:r>
+              <a:rPr lang="fr-FR" b="1" dirty="0"/>
+              <a:t>NomProduit</a:t>
+            </a:r>
+            <a:r>
+              <a:rPr lang="fr-FR" dirty="0"/>
+              <a:t>, QuantiteStockée, Prix, #NumCategorie);</a:t>
+            </a:r>
+          </a:p>
+          <a:p>
+            <a:pPr lvl="0"/>
+            <a:r>
+              <a:rPr lang="fr-FR" b="1" dirty="0"/>
+              <a:t>Commande</a:t>
+            </a:r>
+            <a:r>
+              <a:rPr lang="fr-FR" dirty="0"/>
+              <a:t> = (</a:t>
+            </a:r>
+            <a:r>
+              <a:rPr lang="fr-FR" u="sng" dirty="0"/>
+              <a:t>NumCommande</a:t>
+            </a:r>
+            <a:r>
+              <a:rPr lang="fr-FR" dirty="0"/>
+              <a:t>, DateCommande, #NumFournisseur);</a:t>
+            </a:r>
+          </a:p>
+          <a:p>
+            <a:pPr lvl="0"/>
+            <a:r>
+              <a:rPr lang="fr-FR" b="1" dirty="0"/>
+              <a:t>Vendre</a:t>
+            </a:r>
+            <a:r>
+              <a:rPr lang="fr-FR" dirty="0"/>
+              <a:t> = (</a:t>
+            </a:r>
+            <a:r>
+              <a:rPr lang="fr-FR" u="sng" dirty="0"/>
+              <a:t>#NumProduit, #NumUtilisateur, DateVente</a:t>
+            </a:r>
+            <a:r>
+              <a:rPr lang="fr-FR" dirty="0"/>
+              <a:t>, PrixVente, QuantitéVendu);</a:t>
+            </a:r>
+          </a:p>
+          <a:p>
+            <a:pPr lvl="0"/>
+            <a:r>
+              <a:rPr lang="fr-FR" b="1" dirty="0"/>
+              <a:t>EtreCommandé</a:t>
+            </a:r>
+            <a:r>
+              <a:rPr lang="fr-FR" dirty="0"/>
+              <a:t> = </a:t>
+            </a:r>
+            <a:r>
+              <a:rPr lang="fr-FR" u="sng" dirty="0"/>
+              <a:t>(#NumCommande , #NumProduit</a:t>
+            </a:r>
+            <a:r>
+              <a:rPr lang="fr-FR" dirty="0"/>
+              <a:t>, QuantiteCommandee, PrixUnitaireDeGros);</a:t>
+            </a:r>
+          </a:p>
+          <a:p>
+            <a:endParaRPr lang="fr-FR" b="1" dirty="0"/>
           </a:p>
         </p:txBody>
       </p:sp>
     </p:spTree>
     <p:extLst>
       <p:ext uri="{BB962C8B-B14F-4D97-AF65-F5344CB8AC3E}">
-        <p14:creationId xmlns:p14="http://schemas.microsoft.com/office/powerpoint/2010/main" val="2319586351"/>
+        <p14:creationId xmlns:p14="http://schemas.microsoft.com/office/powerpoint/2010/main" val="2789406737"/>
       </p:ext>
     </p:extLst>
   </p:cSld>
   <p:clrMapOvr>
     <a:masterClrMapping/>
   </p:clrMapOvr>
+  <p:timing>
+    <p:tnLst>
+      <p:par>
+        <p:cTn id="1" dur="indefinite" restart="never" nodeType="tmRoot"/>
+      </p:par>
+    </p:tnLst>
+  </p:timing>
 </p:sld>
 </file>
 
@@ -8262,13 +8565,7 @@
       </p:grpSpPr>
       <p:sp>
         <p:nvSpPr>
-          <p:cNvPr id="2" name="Titre 1">
-            <a:extLst>
-              <a:ext uri="{FF2B5EF4-FFF2-40B4-BE49-F238E27FC236}">
-                <a16:creationId xmlns:a16="http://schemas.microsoft.com/office/drawing/2014/main" id="{AE2B0AAE-7CC7-4FFD-9AA6-84EB07594CCD}"/>
-              </a:ext>
-            </a:extLst>
-          </p:cNvPr>
+          <p:cNvPr id="2" name="Title 1"/>
           <p:cNvSpPr>
             <a:spLocks noGrp="1"/>
           </p:cNvSpPr>
@@ -8282,21 +8579,32 @@
           <a:lstStyle/>
           <a:p>
             <a:r>
-              <a:rPr lang="fr-FR" dirty="0"/>
-              <a:t>3.2 les principales interfaces </a:t>
-            </a:r>
-          </a:p>
-        </p:txBody>
-      </p:sp>
-      <p:sp>
-        <p:nvSpPr>
-          <p:cNvPr id="3" name="Espace réservé du contenu 2">
-            <a:extLst>
-              <a:ext uri="{FF2B5EF4-FFF2-40B4-BE49-F238E27FC236}">
-                <a16:creationId xmlns:a16="http://schemas.microsoft.com/office/drawing/2014/main" id="{0B1707F3-D311-4553-A0BE-7556F6E18BAF}"/>
-              </a:ext>
-            </a:extLst>
-          </p:cNvPr>
+              <a:rPr lang="fr-FR" dirty="0" err="1" smtClean="0"/>
+              <a:t>Hadchi</a:t>
+            </a:r>
+            <a:r>
+              <a:rPr lang="fr-FR" dirty="0" smtClean="0"/>
+              <a:t> </a:t>
+            </a:r>
+            <a:r>
+              <a:rPr lang="fr-FR" dirty="0" err="1" smtClean="0"/>
+              <a:t>ghadi</a:t>
+            </a:r>
+            <a:r>
+              <a:rPr lang="fr-FR" dirty="0" smtClean="0"/>
+              <a:t> </a:t>
+            </a:r>
+            <a:r>
+              <a:rPr lang="fr-FR" dirty="0" err="1" smtClean="0"/>
+              <a:t>ngol</a:t>
+            </a:r>
+            <a:endParaRPr lang="fr-FR" dirty="0"/>
+          </a:p>
+        </p:txBody>
+      </p:sp>
+      <p:sp>
+        <p:nvSpPr>
+          <p:cNvPr id="3" name="Content Placeholder 2"/>
           <p:cNvSpPr>
             <a:spLocks noGrp="1"/>
           </p:cNvSpPr>
@@ -8309,17 +8617,14 @@
           <a:bodyPr/>
           <a:lstStyle/>
           <a:p>
-            <a:r>
-              <a:rPr lang="fr-FR" dirty="0"/>
-              <a:t>Interface 1</a:t>
-            </a:r>
+            <a:endParaRPr lang="fr-FR" dirty="0"/>
           </a:p>
         </p:txBody>
       </p:sp>
     </p:spTree>
     <p:extLst>
       <p:ext uri="{BB962C8B-B14F-4D97-AF65-F5344CB8AC3E}">
-        <p14:creationId xmlns:p14="http://schemas.microsoft.com/office/powerpoint/2010/main" val="2181424663"/>
+        <p14:creationId xmlns:p14="http://schemas.microsoft.com/office/powerpoint/2010/main" val="4287982026"/>
       </p:ext>
     </p:extLst>
   </p:cSld>
@@ -8348,10 +8653,10 @@
       </p:grpSpPr>
       <p:sp>
         <p:nvSpPr>
-          <p:cNvPr id="2" name="Titre 1">
+          <p:cNvPr id="4" name="Titre 1">
             <a:extLst>
               <a:ext uri="{FF2B5EF4-FFF2-40B4-BE49-F238E27FC236}">
-                <a16:creationId xmlns:a16="http://schemas.microsoft.com/office/drawing/2014/main" id="{AE2B0AAE-7CC7-4FFD-9AA6-84EB07594CCD}"/>
+                <a16:creationId xmlns:a16="http://schemas.microsoft.com/office/drawing/2014/main" xmlns="" id="{5533968A-C80C-4ADF-9375-14DD9A34F288}"/>
               </a:ext>
             </a:extLst>
           </p:cNvPr>
@@ -8362,42 +8667,19 @@
             <p:ph type="title"/>
           </p:nvPr>
         </p:nvSpPr>
-        <p:spPr/>
+        <p:spPr>
+          <a:xfrm>
+            <a:off x="2457459" y="2588377"/>
+            <a:ext cx="8911687" cy="1280890"/>
+          </a:xfrm>
+        </p:spPr>
         <p:txBody>
           <a:bodyPr/>
           <a:lstStyle/>
           <a:p>
             <a:r>
               <a:rPr lang="fr-FR" dirty="0"/>
-              <a:t>3.2 les principales interfaces </a:t>
-            </a:r>
-          </a:p>
-        </p:txBody>
-      </p:sp>
-      <p:sp>
-        <p:nvSpPr>
-          <p:cNvPr id="3" name="Espace réservé du contenu 2">
-            <a:extLst>
-              <a:ext uri="{FF2B5EF4-FFF2-40B4-BE49-F238E27FC236}">
-                <a16:creationId xmlns:a16="http://schemas.microsoft.com/office/drawing/2014/main" id="{0B1707F3-D311-4553-A0BE-7556F6E18BAF}"/>
-              </a:ext>
-            </a:extLst>
-          </p:cNvPr>
-          <p:cNvSpPr>
-            <a:spLocks noGrp="1"/>
-          </p:cNvSpPr>
-          <p:nvPr>
-            <p:ph idx="1"/>
-          </p:nvPr>
-        </p:nvSpPr>
-        <p:spPr/>
-        <p:txBody>
-          <a:bodyPr/>
-          <a:lstStyle/>
-          <a:p>
-            <a:r>
-              <a:rPr lang="fr-FR" dirty="0"/>
-              <a:t>Interface 2</a:t>
+              <a:t>Chapitre 3: Réalisation et mise en œuvre</a:t>
             </a:r>
           </a:p>
         </p:txBody>
@@ -8405,13 +8687,20 @@
     </p:spTree>
     <p:extLst>
       <p:ext uri="{BB962C8B-B14F-4D97-AF65-F5344CB8AC3E}">
-        <p14:creationId xmlns:p14="http://schemas.microsoft.com/office/powerpoint/2010/main" val="697605304"/>
+        <p14:creationId xmlns:p14="http://schemas.microsoft.com/office/powerpoint/2010/main" val="2411107603"/>
       </p:ext>
     </p:extLst>
   </p:cSld>
   <p:clrMapOvr>
     <a:masterClrMapping/>
   </p:clrMapOvr>
+  <p:timing>
+    <p:tnLst>
+      <p:par>
+        <p:cTn id="1" dur="indefinite" restart="never" nodeType="tmRoot"/>
+      </p:par>
+    </p:tnLst>
+  </p:timing>
 </p:sld>
 </file>
 
@@ -8437,7 +8726,7 @@
           <p:cNvPr id="2" name="Titre 1">
             <a:extLst>
               <a:ext uri="{FF2B5EF4-FFF2-40B4-BE49-F238E27FC236}">
-                <a16:creationId xmlns:a16="http://schemas.microsoft.com/office/drawing/2014/main" id="{AE2B0AAE-7CC7-4FFD-9AA6-84EB07594CCD}"/>
+                <a16:creationId xmlns:a16="http://schemas.microsoft.com/office/drawing/2014/main" xmlns="" id="{D101077D-60D8-460C-996F-DE88BA3F9308}"/>
               </a:ext>
             </a:extLst>
           </p:cNvPr>
@@ -8455,7 +8744,7 @@
           <a:p>
             <a:r>
               <a:rPr lang="fr-FR" dirty="0"/>
-              <a:t>3.2 les principales interfaces </a:t>
+              <a:t>3.1 Outils de travail</a:t>
             </a:r>
           </a:p>
         </p:txBody>
@@ -8465,7 +8754,7 @@
           <p:cNvPr id="3" name="Espace réservé du contenu 2">
             <a:extLst>
               <a:ext uri="{FF2B5EF4-FFF2-40B4-BE49-F238E27FC236}">
-                <a16:creationId xmlns:a16="http://schemas.microsoft.com/office/drawing/2014/main" id="{0B1707F3-D311-4553-A0BE-7556F6E18BAF}"/>
+                <a16:creationId xmlns:a16="http://schemas.microsoft.com/office/drawing/2014/main" xmlns="" id="{FD234C09-5A8C-41B9-8594-975339A46848}"/>
               </a:ext>
             </a:extLst>
           </p:cNvPr>
@@ -8483,7 +8772,34 @@
           <a:p>
             <a:r>
               <a:rPr lang="fr-FR" dirty="0"/>
-              <a:t>Interface 3</a:t>
+              <a:t>PHP</a:t>
+            </a:r>
+          </a:p>
+          <a:p>
+            <a:endParaRPr lang="fr-FR" dirty="0"/>
+          </a:p>
+          <a:p>
+            <a:r>
+              <a:rPr lang="fr-FR" dirty="0"/>
+              <a:t>MYSQL</a:t>
+            </a:r>
+          </a:p>
+          <a:p>
+            <a:endParaRPr lang="fr-FR" dirty="0"/>
+          </a:p>
+          <a:p>
+            <a:r>
+              <a:rPr lang="fr-FR" dirty="0"/>
+              <a:t>APACHE</a:t>
+            </a:r>
+          </a:p>
+          <a:p>
+            <a:endParaRPr lang="fr-FR" dirty="0"/>
+          </a:p>
+          <a:p>
+            <a:r>
+              <a:rPr lang="fr-FR" dirty="0"/>
+              <a:t>………</a:t>
             </a:r>
           </a:p>
         </p:txBody>
@@ -8491,13 +8807,20 @@
     </p:spTree>
     <p:extLst>
       <p:ext uri="{BB962C8B-B14F-4D97-AF65-F5344CB8AC3E}">
-        <p14:creationId xmlns:p14="http://schemas.microsoft.com/office/powerpoint/2010/main" val="575380345"/>
+        <p14:creationId xmlns:p14="http://schemas.microsoft.com/office/powerpoint/2010/main" val="2319586351"/>
       </p:ext>
     </p:extLst>
   </p:cSld>
   <p:clrMapOvr>
     <a:masterClrMapping/>
   </p:clrMapOvr>
+  <p:timing>
+    <p:tnLst>
+      <p:par>
+        <p:cTn id="1" dur="indefinite" restart="never" nodeType="tmRoot"/>
+      </p:par>
+    </p:tnLst>
+  </p:timing>
 </p:sld>
 </file>
 
@@ -8523,7 +8846,7 @@
           <p:cNvPr id="2" name="Titre 1">
             <a:extLst>
               <a:ext uri="{FF2B5EF4-FFF2-40B4-BE49-F238E27FC236}">
-                <a16:creationId xmlns:a16="http://schemas.microsoft.com/office/drawing/2014/main" id="{AE2B0AAE-7CC7-4FFD-9AA6-84EB07594CCD}"/>
+                <a16:creationId xmlns:a16="http://schemas.microsoft.com/office/drawing/2014/main" xmlns="" id="{AE2B0AAE-7CC7-4FFD-9AA6-84EB07594CCD}"/>
               </a:ext>
             </a:extLst>
           </p:cNvPr>
@@ -8551,7 +8874,7 @@
           <p:cNvPr id="3" name="Espace réservé du contenu 2">
             <a:extLst>
               <a:ext uri="{FF2B5EF4-FFF2-40B4-BE49-F238E27FC236}">
-                <a16:creationId xmlns:a16="http://schemas.microsoft.com/office/drawing/2014/main" id="{0B1707F3-D311-4553-A0BE-7556F6E18BAF}"/>
+                <a16:creationId xmlns:a16="http://schemas.microsoft.com/office/drawing/2014/main" xmlns="" id="{0B1707F3-D311-4553-A0BE-7556F6E18BAF}"/>
               </a:ext>
             </a:extLst>
           </p:cNvPr>
@@ -8569,7 +8892,7 @@
           <a:p>
             <a:r>
               <a:rPr lang="fr-FR" dirty="0"/>
-              <a:t>Interface 4</a:t>
+              <a:t>Interface 1</a:t>
             </a:r>
           </a:p>
         </p:txBody>
@@ -8577,13 +8900,20 @@
     </p:spTree>
     <p:extLst>
       <p:ext uri="{BB962C8B-B14F-4D97-AF65-F5344CB8AC3E}">
-        <p14:creationId xmlns:p14="http://schemas.microsoft.com/office/powerpoint/2010/main" val="2826901996"/>
+        <p14:creationId xmlns:p14="http://schemas.microsoft.com/office/powerpoint/2010/main" val="2181424663"/>
       </p:ext>
     </p:extLst>
   </p:cSld>
   <p:clrMapOvr>
     <a:masterClrMapping/>
   </p:clrMapOvr>
+  <p:timing>
+    <p:tnLst>
+      <p:par>
+        <p:cTn id="1" dur="indefinite" restart="never" nodeType="tmRoot"/>
+      </p:par>
+    </p:tnLst>
+  </p:timing>
 </p:sld>
 </file>
 
@@ -8609,7 +8939,7 @@
           <p:cNvPr id="2" name="Titre 1">
             <a:extLst>
               <a:ext uri="{FF2B5EF4-FFF2-40B4-BE49-F238E27FC236}">
-                <a16:creationId xmlns:a16="http://schemas.microsoft.com/office/drawing/2014/main" id="{AE2B0AAE-7CC7-4FFD-9AA6-84EB07594CCD}"/>
+                <a16:creationId xmlns:a16="http://schemas.microsoft.com/office/drawing/2014/main" xmlns="" id="{AE2B0AAE-7CC7-4FFD-9AA6-84EB07594CCD}"/>
               </a:ext>
             </a:extLst>
           </p:cNvPr>
@@ -8637,7 +8967,7 @@
           <p:cNvPr id="3" name="Espace réservé du contenu 2">
             <a:extLst>
               <a:ext uri="{FF2B5EF4-FFF2-40B4-BE49-F238E27FC236}">
-                <a16:creationId xmlns:a16="http://schemas.microsoft.com/office/drawing/2014/main" id="{0B1707F3-D311-4553-A0BE-7556F6E18BAF}"/>
+                <a16:creationId xmlns:a16="http://schemas.microsoft.com/office/drawing/2014/main" xmlns="" id="{0B1707F3-D311-4553-A0BE-7556F6E18BAF}"/>
               </a:ext>
             </a:extLst>
           </p:cNvPr>
@@ -8655,27 +8985,28 @@
           <a:p>
             <a:r>
               <a:rPr lang="fr-FR" dirty="0"/>
-              <a:t>Interface 5</a:t>
-            </a:r>
-          </a:p>
-          <a:p>
-            <a:pPr marL="0" indent="0">
-              <a:buNone/>
-            </a:pPr>
-            <a:endParaRPr lang="fr-FR" dirty="0"/>
+              <a:t>Interface 2</a:t>
+            </a:r>
           </a:p>
         </p:txBody>
       </p:sp>
     </p:spTree>
     <p:extLst>
       <p:ext uri="{BB962C8B-B14F-4D97-AF65-F5344CB8AC3E}">
-        <p14:creationId xmlns:p14="http://schemas.microsoft.com/office/powerpoint/2010/main" val="703650253"/>
+        <p14:creationId xmlns:p14="http://schemas.microsoft.com/office/powerpoint/2010/main" val="697605304"/>
       </p:ext>
     </p:extLst>
   </p:cSld>
   <p:clrMapOvr>
     <a:masterClrMapping/>
   </p:clrMapOvr>
+  <p:timing>
+    <p:tnLst>
+      <p:par>
+        <p:cTn id="1" dur="indefinite" restart="never" nodeType="tmRoot"/>
+      </p:par>
+    </p:tnLst>
+  </p:timing>
 </p:sld>
 </file>
 
@@ -8701,7 +9032,7 @@
           <p:cNvPr id="2" name="Titre 1">
             <a:extLst>
               <a:ext uri="{FF2B5EF4-FFF2-40B4-BE49-F238E27FC236}">
-                <a16:creationId xmlns:a16="http://schemas.microsoft.com/office/drawing/2014/main" id="{E5D6DFDF-A611-4D47-BBB7-EAFBDC439C02}"/>
+                <a16:creationId xmlns:a16="http://schemas.microsoft.com/office/drawing/2014/main" xmlns="" id="{E5D6DFDF-A611-4D47-BBB7-EAFBDC439C02}"/>
               </a:ext>
             </a:extLst>
           </p:cNvPr>
@@ -8729,7 +9060,7 @@
           <p:cNvPr id="3" name="Espace réservé du contenu 2">
             <a:extLst>
               <a:ext uri="{FF2B5EF4-FFF2-40B4-BE49-F238E27FC236}">
-                <a16:creationId xmlns:a16="http://schemas.microsoft.com/office/drawing/2014/main" id="{326C9D15-7FEB-4596-BF7D-BC5E57015B7E}"/>
+                <a16:creationId xmlns:a16="http://schemas.microsoft.com/office/drawing/2014/main" xmlns="" id="{326C9D15-7FEB-4596-BF7D-BC5E57015B7E}"/>
               </a:ext>
             </a:extLst>
           </p:cNvPr>
@@ -8910,7 +9241,7 @@
           <p:cNvPr id="2" name="Titre 1">
             <a:extLst>
               <a:ext uri="{FF2B5EF4-FFF2-40B4-BE49-F238E27FC236}">
-                <a16:creationId xmlns:a16="http://schemas.microsoft.com/office/drawing/2014/main" id="{6B4C312D-F462-4B1B-A70B-F74BA5BC54E9}"/>
+                <a16:creationId xmlns:a16="http://schemas.microsoft.com/office/drawing/2014/main" xmlns="" id="{AE2B0AAE-7CC7-4FFD-9AA6-84EB07594CCD}"/>
               </a:ext>
             </a:extLst>
           </p:cNvPr>
@@ -8928,7 +9259,7 @@
           <a:p>
             <a:r>
               <a:rPr lang="fr-FR" dirty="0"/>
-              <a:t>Conclusion</a:t>
+              <a:t>3.2 les principales interfaces </a:t>
             </a:r>
           </a:p>
         </p:txBody>
@@ -8938,7 +9269,292 @@
           <p:cNvPr id="3" name="Espace réservé du contenu 2">
             <a:extLst>
               <a:ext uri="{FF2B5EF4-FFF2-40B4-BE49-F238E27FC236}">
-                <a16:creationId xmlns:a16="http://schemas.microsoft.com/office/drawing/2014/main" id="{EC19B2E1-1ACF-4678-B5F6-88A656900FE6}"/>
+                <a16:creationId xmlns:a16="http://schemas.microsoft.com/office/drawing/2014/main" xmlns="" id="{0B1707F3-D311-4553-A0BE-7556F6E18BAF}"/>
+              </a:ext>
+            </a:extLst>
+          </p:cNvPr>
+          <p:cNvSpPr>
+            <a:spLocks noGrp="1"/>
+          </p:cNvSpPr>
+          <p:nvPr>
+            <p:ph idx="1"/>
+          </p:nvPr>
+        </p:nvSpPr>
+        <p:spPr/>
+        <p:txBody>
+          <a:bodyPr/>
+          <a:lstStyle/>
+          <a:p>
+            <a:r>
+              <a:rPr lang="fr-FR" dirty="0"/>
+              <a:t>Interface 3</a:t>
+            </a:r>
+          </a:p>
+        </p:txBody>
+      </p:sp>
+    </p:spTree>
+    <p:extLst>
+      <p:ext uri="{BB962C8B-B14F-4D97-AF65-F5344CB8AC3E}">
+        <p14:creationId xmlns:p14="http://schemas.microsoft.com/office/powerpoint/2010/main" val="575380345"/>
+      </p:ext>
+    </p:extLst>
+  </p:cSld>
+  <p:clrMapOvr>
+    <a:masterClrMapping/>
+  </p:clrMapOvr>
+  <p:timing>
+    <p:tnLst>
+      <p:par>
+        <p:cTn id="1" dur="indefinite" restart="never" nodeType="tmRoot"/>
+      </p:par>
+    </p:tnLst>
+  </p:timing>
+</p:sld>
+</file>
+
+<file path=ppt/slides/slide21.xml><?xml version="1.0" encoding="utf-8"?>
+<p:sld xmlns:a="http://schemas.openxmlformats.org/drawingml/2006/main" xmlns:r="http://schemas.openxmlformats.org/officeDocument/2006/relationships" xmlns:p="http://schemas.openxmlformats.org/presentationml/2006/main">
+  <p:cSld>
+    <p:spTree>
+      <p:nvGrpSpPr>
+        <p:cNvPr id="1" name=""/>
+        <p:cNvGrpSpPr/>
+        <p:nvPr/>
+      </p:nvGrpSpPr>
+      <p:grpSpPr>
+        <a:xfrm>
+          <a:off x="0" y="0"/>
+          <a:ext cx="0" cy="0"/>
+          <a:chOff x="0" y="0"/>
+          <a:chExt cx="0" cy="0"/>
+        </a:xfrm>
+      </p:grpSpPr>
+      <p:sp>
+        <p:nvSpPr>
+          <p:cNvPr id="2" name="Titre 1">
+            <a:extLst>
+              <a:ext uri="{FF2B5EF4-FFF2-40B4-BE49-F238E27FC236}">
+                <a16:creationId xmlns:a16="http://schemas.microsoft.com/office/drawing/2014/main" xmlns="" id="{AE2B0AAE-7CC7-4FFD-9AA6-84EB07594CCD}"/>
+              </a:ext>
+            </a:extLst>
+          </p:cNvPr>
+          <p:cNvSpPr>
+            <a:spLocks noGrp="1"/>
+          </p:cNvSpPr>
+          <p:nvPr>
+            <p:ph type="title"/>
+          </p:nvPr>
+        </p:nvSpPr>
+        <p:spPr/>
+        <p:txBody>
+          <a:bodyPr/>
+          <a:lstStyle/>
+          <a:p>
+            <a:r>
+              <a:rPr lang="fr-FR" dirty="0"/>
+              <a:t>3.2 les principales interfaces </a:t>
+            </a:r>
+          </a:p>
+        </p:txBody>
+      </p:sp>
+      <p:sp>
+        <p:nvSpPr>
+          <p:cNvPr id="3" name="Espace réservé du contenu 2">
+            <a:extLst>
+              <a:ext uri="{FF2B5EF4-FFF2-40B4-BE49-F238E27FC236}">
+                <a16:creationId xmlns:a16="http://schemas.microsoft.com/office/drawing/2014/main" xmlns="" id="{0B1707F3-D311-4553-A0BE-7556F6E18BAF}"/>
+              </a:ext>
+            </a:extLst>
+          </p:cNvPr>
+          <p:cNvSpPr>
+            <a:spLocks noGrp="1"/>
+          </p:cNvSpPr>
+          <p:nvPr>
+            <p:ph idx="1"/>
+          </p:nvPr>
+        </p:nvSpPr>
+        <p:spPr/>
+        <p:txBody>
+          <a:bodyPr/>
+          <a:lstStyle/>
+          <a:p>
+            <a:r>
+              <a:rPr lang="fr-FR" dirty="0"/>
+              <a:t>Interface 4</a:t>
+            </a:r>
+          </a:p>
+        </p:txBody>
+      </p:sp>
+    </p:spTree>
+    <p:extLst>
+      <p:ext uri="{BB962C8B-B14F-4D97-AF65-F5344CB8AC3E}">
+        <p14:creationId xmlns:p14="http://schemas.microsoft.com/office/powerpoint/2010/main" val="2826901996"/>
+      </p:ext>
+    </p:extLst>
+  </p:cSld>
+  <p:clrMapOvr>
+    <a:masterClrMapping/>
+  </p:clrMapOvr>
+  <p:timing>
+    <p:tnLst>
+      <p:par>
+        <p:cTn id="1" dur="indefinite" restart="never" nodeType="tmRoot"/>
+      </p:par>
+    </p:tnLst>
+  </p:timing>
+</p:sld>
+</file>
+
+<file path=ppt/slides/slide22.xml><?xml version="1.0" encoding="utf-8"?>
+<p:sld xmlns:a="http://schemas.openxmlformats.org/drawingml/2006/main" xmlns:r="http://schemas.openxmlformats.org/officeDocument/2006/relationships" xmlns:p="http://schemas.openxmlformats.org/presentationml/2006/main">
+  <p:cSld>
+    <p:spTree>
+      <p:nvGrpSpPr>
+        <p:cNvPr id="1" name=""/>
+        <p:cNvGrpSpPr/>
+        <p:nvPr/>
+      </p:nvGrpSpPr>
+      <p:grpSpPr>
+        <a:xfrm>
+          <a:off x="0" y="0"/>
+          <a:ext cx="0" cy="0"/>
+          <a:chOff x="0" y="0"/>
+          <a:chExt cx="0" cy="0"/>
+        </a:xfrm>
+      </p:grpSpPr>
+      <p:sp>
+        <p:nvSpPr>
+          <p:cNvPr id="2" name="Titre 1">
+            <a:extLst>
+              <a:ext uri="{FF2B5EF4-FFF2-40B4-BE49-F238E27FC236}">
+                <a16:creationId xmlns:a16="http://schemas.microsoft.com/office/drawing/2014/main" xmlns="" id="{AE2B0AAE-7CC7-4FFD-9AA6-84EB07594CCD}"/>
+              </a:ext>
+            </a:extLst>
+          </p:cNvPr>
+          <p:cNvSpPr>
+            <a:spLocks noGrp="1"/>
+          </p:cNvSpPr>
+          <p:nvPr>
+            <p:ph type="title"/>
+          </p:nvPr>
+        </p:nvSpPr>
+        <p:spPr/>
+        <p:txBody>
+          <a:bodyPr/>
+          <a:lstStyle/>
+          <a:p>
+            <a:r>
+              <a:rPr lang="fr-FR" dirty="0"/>
+              <a:t>3.2 les principales interfaces </a:t>
+            </a:r>
+          </a:p>
+        </p:txBody>
+      </p:sp>
+      <p:sp>
+        <p:nvSpPr>
+          <p:cNvPr id="3" name="Espace réservé du contenu 2">
+            <a:extLst>
+              <a:ext uri="{FF2B5EF4-FFF2-40B4-BE49-F238E27FC236}">
+                <a16:creationId xmlns:a16="http://schemas.microsoft.com/office/drawing/2014/main" xmlns="" id="{0B1707F3-D311-4553-A0BE-7556F6E18BAF}"/>
+              </a:ext>
+            </a:extLst>
+          </p:cNvPr>
+          <p:cNvSpPr>
+            <a:spLocks noGrp="1"/>
+          </p:cNvSpPr>
+          <p:nvPr>
+            <p:ph idx="1"/>
+          </p:nvPr>
+        </p:nvSpPr>
+        <p:spPr/>
+        <p:txBody>
+          <a:bodyPr/>
+          <a:lstStyle/>
+          <a:p>
+            <a:r>
+              <a:rPr lang="fr-FR" dirty="0"/>
+              <a:t>Interface 5</a:t>
+            </a:r>
+          </a:p>
+          <a:p>
+            <a:pPr marL="0" indent="0">
+              <a:buNone/>
+            </a:pPr>
+            <a:endParaRPr lang="fr-FR" dirty="0"/>
+          </a:p>
+        </p:txBody>
+      </p:sp>
+    </p:spTree>
+    <p:extLst>
+      <p:ext uri="{BB962C8B-B14F-4D97-AF65-F5344CB8AC3E}">
+        <p14:creationId xmlns:p14="http://schemas.microsoft.com/office/powerpoint/2010/main" val="703650253"/>
+      </p:ext>
+    </p:extLst>
+  </p:cSld>
+  <p:clrMapOvr>
+    <a:masterClrMapping/>
+  </p:clrMapOvr>
+  <p:timing>
+    <p:tnLst>
+      <p:par>
+        <p:cTn id="1" dur="indefinite" restart="never" nodeType="tmRoot"/>
+      </p:par>
+    </p:tnLst>
+  </p:timing>
+</p:sld>
+</file>
+
+<file path=ppt/slides/slide23.xml><?xml version="1.0" encoding="utf-8"?>
+<p:sld xmlns:a="http://schemas.openxmlformats.org/drawingml/2006/main" xmlns:r="http://schemas.openxmlformats.org/officeDocument/2006/relationships" xmlns:p="http://schemas.openxmlformats.org/presentationml/2006/main">
+  <p:cSld>
+    <p:spTree>
+      <p:nvGrpSpPr>
+        <p:cNvPr id="1" name=""/>
+        <p:cNvGrpSpPr/>
+        <p:nvPr/>
+      </p:nvGrpSpPr>
+      <p:grpSpPr>
+        <a:xfrm>
+          <a:off x="0" y="0"/>
+          <a:ext cx="0" cy="0"/>
+          <a:chOff x="0" y="0"/>
+          <a:chExt cx="0" cy="0"/>
+        </a:xfrm>
+      </p:grpSpPr>
+      <p:sp>
+        <p:nvSpPr>
+          <p:cNvPr id="2" name="Titre 1">
+            <a:extLst>
+              <a:ext uri="{FF2B5EF4-FFF2-40B4-BE49-F238E27FC236}">
+                <a16:creationId xmlns:a16="http://schemas.microsoft.com/office/drawing/2014/main" xmlns="" id="{6B4C312D-F462-4B1B-A70B-F74BA5BC54E9}"/>
+              </a:ext>
+            </a:extLst>
+          </p:cNvPr>
+          <p:cNvSpPr>
+            <a:spLocks noGrp="1"/>
+          </p:cNvSpPr>
+          <p:nvPr>
+            <p:ph type="title"/>
+          </p:nvPr>
+        </p:nvSpPr>
+        <p:spPr/>
+        <p:txBody>
+          <a:bodyPr/>
+          <a:lstStyle/>
+          <a:p>
+            <a:r>
+              <a:rPr lang="fr-FR" dirty="0"/>
+              <a:t>Conclusion</a:t>
+            </a:r>
+          </a:p>
+        </p:txBody>
+      </p:sp>
+      <p:sp>
+        <p:nvSpPr>
+          <p:cNvPr id="3" name="Espace réservé du contenu 2">
+            <a:extLst>
+              <a:ext uri="{FF2B5EF4-FFF2-40B4-BE49-F238E27FC236}">
+                <a16:creationId xmlns:a16="http://schemas.microsoft.com/office/drawing/2014/main" xmlns="" id="{EC19B2E1-1ACF-4678-B5F6-88A656900FE6}"/>
               </a:ext>
             </a:extLst>
           </p:cNvPr>
@@ -8968,6 +9584,13 @@
   <p:clrMapOvr>
     <a:masterClrMapping/>
   </p:clrMapOvr>
+  <p:timing>
+    <p:tnLst>
+      <p:par>
+        <p:cTn id="1" dur="indefinite" restart="never" nodeType="tmRoot"/>
+      </p:par>
+    </p:tnLst>
+  </p:timing>
 </p:sld>
 </file>
 
@@ -8993,7 +9616,7 @@
           <p:cNvPr id="2" name="Titre 1">
             <a:extLst>
               <a:ext uri="{FF2B5EF4-FFF2-40B4-BE49-F238E27FC236}">
-                <a16:creationId xmlns:a16="http://schemas.microsoft.com/office/drawing/2014/main" id="{53332AED-05F2-45B4-B6E4-B04CAB8D9C9D}"/>
+                <a16:creationId xmlns:a16="http://schemas.microsoft.com/office/drawing/2014/main" xmlns="" id="{53332AED-05F2-45B4-B6E4-B04CAB8D9C9D}"/>
               </a:ext>
             </a:extLst>
           </p:cNvPr>
@@ -9021,7 +9644,7 @@
           <p:cNvPr id="3" name="Espace réservé du contenu 2">
             <a:extLst>
               <a:ext uri="{FF2B5EF4-FFF2-40B4-BE49-F238E27FC236}">
-                <a16:creationId xmlns:a16="http://schemas.microsoft.com/office/drawing/2014/main" id="{C1AD64AF-3450-4206-9CB1-28D0BF6EEB31}"/>
+                <a16:creationId xmlns:a16="http://schemas.microsoft.com/office/drawing/2014/main" xmlns="" id="{C1AD64AF-3450-4206-9CB1-28D0BF6EEB31}"/>
               </a:ext>
             </a:extLst>
           </p:cNvPr>
@@ -9051,18 +9674,25 @@
   <p:clrMapOvr>
     <a:masterClrMapping/>
   </p:clrMapOvr>
-  <mc:AlternateContent xmlns:mc="http://schemas.openxmlformats.org/markup-compatibility/2006">
-    <mc:Choice xmlns:p14="http://schemas.microsoft.com/office/powerpoint/2010/main" Requires="p14">
+  <mc:AlternateContent xmlns:mc="http://schemas.openxmlformats.org/markup-compatibility/2006" xmlns:p14="http://schemas.microsoft.com/office/powerpoint/2010/main">
+    <mc:Choice Requires="p14">
       <p:transition spd="med" p14:dur="700">
         <p:fade/>
       </p:transition>
     </mc:Choice>
-    <mc:Fallback>
+    <mc:Fallback xmlns="">
       <p:transition spd="med">
         <p:fade/>
       </p:transition>
     </mc:Fallback>
   </mc:AlternateContent>
+  <p:timing>
+    <p:tnLst>
+      <p:par>
+        <p:cTn id="1" dur="indefinite" restart="never" nodeType="tmRoot"/>
+      </p:par>
+    </p:tnLst>
+  </p:timing>
 </p:sld>
 </file>
 
@@ -9088,7 +9718,7 @@
           <p:cNvPr id="2" name="Titre 1">
             <a:extLst>
               <a:ext uri="{FF2B5EF4-FFF2-40B4-BE49-F238E27FC236}">
-                <a16:creationId xmlns:a16="http://schemas.microsoft.com/office/drawing/2014/main" id="{E8A24E94-57D8-48F8-87E9-663F5DC4CE9B}"/>
+                <a16:creationId xmlns:a16="http://schemas.microsoft.com/office/drawing/2014/main" xmlns="" id="{E8A24E94-57D8-48F8-87E9-663F5DC4CE9B}"/>
               </a:ext>
             </a:extLst>
           </p:cNvPr>
@@ -9126,6 +9756,13 @@
   <p:clrMapOvr>
     <a:masterClrMapping/>
   </p:clrMapOvr>
+  <p:timing>
+    <p:tnLst>
+      <p:par>
+        <p:cTn id="1" dur="indefinite" restart="never" nodeType="tmRoot"/>
+      </p:par>
+    </p:tnLst>
+  </p:timing>
 </p:sld>
 </file>
 
@@ -9151,7 +9788,7 @@
           <p:cNvPr id="2" name="Titre 1">
             <a:extLst>
               <a:ext uri="{FF2B5EF4-FFF2-40B4-BE49-F238E27FC236}">
-                <a16:creationId xmlns:a16="http://schemas.microsoft.com/office/drawing/2014/main" id="{07180EFC-A6EE-4C55-975B-648F26B1E41C}"/>
+                <a16:creationId xmlns:a16="http://schemas.microsoft.com/office/drawing/2014/main" xmlns="" id="{07180EFC-A6EE-4C55-975B-648F26B1E41C}"/>
               </a:ext>
             </a:extLst>
           </p:cNvPr>
@@ -9181,7 +9818,7 @@
           <p:cNvPr id="3" name="Espace réservé du contenu 2">
             <a:extLst>
               <a:ext uri="{FF2B5EF4-FFF2-40B4-BE49-F238E27FC236}">
-                <a16:creationId xmlns:a16="http://schemas.microsoft.com/office/drawing/2014/main" id="{25F2D122-8BBA-4DB4-B1BD-7995EDE8E3EC}"/>
+                <a16:creationId xmlns:a16="http://schemas.microsoft.com/office/drawing/2014/main" xmlns="" id="{25F2D122-8BBA-4DB4-B1BD-7995EDE8E3EC}"/>
               </a:ext>
             </a:extLst>
           </p:cNvPr>
@@ -9250,6 +9887,13 @@
   <p:clrMapOvr>
     <a:masterClrMapping/>
   </p:clrMapOvr>
+  <p:timing>
+    <p:tnLst>
+      <p:par>
+        <p:cTn id="1" dur="indefinite" restart="never" nodeType="tmRoot"/>
+      </p:par>
+    </p:tnLst>
+  </p:timing>
 </p:sld>
 </file>
 
@@ -9275,7 +9919,7 @@
           <p:cNvPr id="2" name="Titre 1">
             <a:extLst>
               <a:ext uri="{FF2B5EF4-FFF2-40B4-BE49-F238E27FC236}">
-                <a16:creationId xmlns:a16="http://schemas.microsoft.com/office/drawing/2014/main" id="{C6B748FB-14EC-46F8-A42A-04A4C0E4D263}"/>
+                <a16:creationId xmlns:a16="http://schemas.microsoft.com/office/drawing/2014/main" xmlns="" id="{C6B748FB-14EC-46F8-A42A-04A4C0E4D263}"/>
               </a:ext>
             </a:extLst>
           </p:cNvPr>
@@ -9305,7 +9949,7 @@
           <p:cNvPr id="3" name="Espace réservé du contenu 2">
             <a:extLst>
               <a:ext uri="{FF2B5EF4-FFF2-40B4-BE49-F238E27FC236}">
-                <a16:creationId xmlns:a16="http://schemas.microsoft.com/office/drawing/2014/main" id="{8949D94C-E466-48BD-89BE-864516FD4416}"/>
+                <a16:creationId xmlns:a16="http://schemas.microsoft.com/office/drawing/2014/main" xmlns="" id="{8949D94C-E466-48BD-89BE-864516FD4416}"/>
               </a:ext>
             </a:extLst>
           </p:cNvPr>
@@ -9374,6 +10018,13 @@
   <p:clrMapOvr>
     <a:masterClrMapping/>
   </p:clrMapOvr>
+  <p:timing>
+    <p:tnLst>
+      <p:par>
+        <p:cTn id="1" dur="indefinite" restart="never" nodeType="tmRoot"/>
+      </p:par>
+    </p:tnLst>
+  </p:timing>
 </p:sld>
 </file>
 
@@ -9399,7 +10050,7 @@
           <p:cNvPr id="4" name="Titre 1">
             <a:extLst>
               <a:ext uri="{FF2B5EF4-FFF2-40B4-BE49-F238E27FC236}">
-                <a16:creationId xmlns:a16="http://schemas.microsoft.com/office/drawing/2014/main" id="{C8F1ECB5-6D24-40EB-A626-661613C0577D}"/>
+                <a16:creationId xmlns:a16="http://schemas.microsoft.com/office/drawing/2014/main" xmlns="" id="{C8F1ECB5-6D24-40EB-A626-661613C0577D}"/>
               </a:ext>
             </a:extLst>
           </p:cNvPr>
@@ -9437,6 +10088,13 @@
   <p:clrMapOvr>
     <a:masterClrMapping/>
   </p:clrMapOvr>
+  <p:timing>
+    <p:tnLst>
+      <p:par>
+        <p:cTn id="1" dur="indefinite" restart="never" nodeType="tmRoot"/>
+      </p:par>
+    </p:tnLst>
+  </p:timing>
 </p:sld>
 </file>
 
@@ -9462,7 +10120,7 @@
           <p:cNvPr id="2" name="Titre 1">
             <a:extLst>
               <a:ext uri="{FF2B5EF4-FFF2-40B4-BE49-F238E27FC236}">
-                <a16:creationId xmlns:a16="http://schemas.microsoft.com/office/drawing/2014/main" id="{CBA496F7-933A-41B0-A1E8-9488DC10A43D}"/>
+                <a16:creationId xmlns:a16="http://schemas.microsoft.com/office/drawing/2014/main" xmlns="" id="{CBA496F7-933A-41B0-A1E8-9488DC10A43D}"/>
               </a:ext>
             </a:extLst>
           </p:cNvPr>
@@ -9485,31 +10143,458 @@
           </a:p>
         </p:txBody>
       </p:sp>
-      <p:sp>
-        <p:nvSpPr>
-          <p:cNvPr id="3" name="Espace réservé du contenu 2">
-            <a:extLst>
-              <a:ext uri="{FF2B5EF4-FFF2-40B4-BE49-F238E27FC236}">
-                <a16:creationId xmlns:a16="http://schemas.microsoft.com/office/drawing/2014/main" id="{6F1B9F0E-2F78-4A0A-8D82-C530ED8FC47B}"/>
-              </a:ext>
-            </a:extLst>
-          </p:cNvPr>
-          <p:cNvSpPr>
-            <a:spLocks noGrp="1"/>
-          </p:cNvSpPr>
+      <p:graphicFrame>
+        <p:nvGraphicFramePr>
+          <p:cNvPr id="4" name="Content Placeholder 3"/>
+          <p:cNvGraphicFramePr>
+            <a:graphicFrameLocks noGrp="1"/>
+          </p:cNvGraphicFramePr>
           <p:nvPr>
             <p:ph idx="1"/>
-          </p:nvPr>
-        </p:nvSpPr>
-        <p:spPr/>
-        <p:txBody>
-          <a:bodyPr/>
-          <a:lstStyle/>
-          <a:p>
-            <a:endParaRPr lang="fr-FR" dirty="0"/>
-          </a:p>
-        </p:txBody>
-      </p:sp>
+            <p:extLst>
+              <p:ext uri="{D42A27DB-BD31-4B8C-83A1-F6EECF244321}">
+                <p14:modId xmlns:p14="http://schemas.microsoft.com/office/powerpoint/2010/main" val="1953773365"/>
+              </p:ext>
+            </p:extLst>
+          </p:nvPr>
+        </p:nvGraphicFramePr>
+        <p:xfrm>
+          <a:off x="1282534" y="1805050"/>
+          <a:ext cx="9289767" cy="3028208"/>
+        </p:xfrm>
+        <a:graphic>
+          <a:graphicData uri="http://schemas.openxmlformats.org/drawingml/2006/table">
+            <a:tbl>
+              <a:tblPr firstRow="1" firstCol="1" bandRow="1">
+                <a:tableStyleId>{46F890A9-2807-4EBB-B81D-B2AA78EC7F39}</a:tableStyleId>
+              </a:tblPr>
+              <a:tblGrid>
+                <a:gridCol w="3096589"/>
+                <a:gridCol w="3096589"/>
+                <a:gridCol w="3096589"/>
+              </a:tblGrid>
+              <a:tr h="297153">
+                <a:tc>
+                  <a:txBody>
+                    <a:bodyPr/>
+                    <a:lstStyle/>
+                    <a:p>
+                      <a:pPr algn="ctr">
+                        <a:lnSpc>
+                          <a:spcPct val="150000"/>
+                        </a:lnSpc>
+                        <a:spcAft>
+                          <a:spcPts val="800"/>
+                        </a:spcAft>
+                      </a:pPr>
+                      <a:r>
+                        <a:rPr lang="fr-FR" sz="1200" b="1" kern="1200" dirty="0" smtClean="0">
+                          <a:solidFill>
+                            <a:schemeClr val="lt1"/>
+                          </a:solidFill>
+                          <a:effectLst/>
+                          <a:latin typeface="+mn-lt"/>
+                          <a:ea typeface="+mn-ea"/>
+                          <a:cs typeface="+mn-cs"/>
+                        </a:rPr>
+                        <a:t>Administrateur</a:t>
+                      </a:r>
+                      <a:endParaRPr lang="fr-FR" sz="1200" dirty="0">
+                        <a:solidFill>
+                          <a:srgbClr val="000000"/>
+                        </a:solidFill>
+                        <a:effectLst/>
+                        <a:latin typeface="Calibri" panose="020F0502020204030204" pitchFamily="34" charset="0"/>
+                        <a:ea typeface="Calibri" panose="020F0502020204030204" pitchFamily="34" charset="0"/>
+                        <a:cs typeface="Arial" panose="020B0604020202020204" pitchFamily="34" charset="0"/>
+                      </a:endParaRPr>
+                    </a:p>
+                  </a:txBody>
+                  <a:tcPr marL="68580" marR="68580" marT="0" marB="0"/>
+                </a:tc>
+                <a:tc>
+                  <a:txBody>
+                    <a:bodyPr/>
+                    <a:lstStyle/>
+                    <a:p>
+                      <a:pPr algn="ctr">
+                        <a:lnSpc>
+                          <a:spcPct val="150000"/>
+                        </a:lnSpc>
+                        <a:spcAft>
+                          <a:spcPts val="800"/>
+                        </a:spcAft>
+                      </a:pPr>
+                      <a:r>
+                        <a:rPr lang="fr-FR" sz="1200" dirty="0">
+                          <a:effectLst/>
+                        </a:rPr>
+                        <a:t>Vendeur</a:t>
+                      </a:r>
+                      <a:endParaRPr lang="fr-FR" sz="1100" dirty="0">
+                        <a:solidFill>
+                          <a:srgbClr val="000000"/>
+                        </a:solidFill>
+                        <a:effectLst/>
+                        <a:latin typeface="Calibri" panose="020F0502020204030204" pitchFamily="34" charset="0"/>
+                        <a:ea typeface="Calibri" panose="020F0502020204030204" pitchFamily="34" charset="0"/>
+                        <a:cs typeface="Arial" panose="020B0604020202020204" pitchFamily="34" charset="0"/>
+                      </a:endParaRPr>
+                    </a:p>
+                  </a:txBody>
+                  <a:tcPr marL="68580" marR="68580" marT="0" marB="0"/>
+                </a:tc>
+                <a:tc>
+                  <a:txBody>
+                    <a:bodyPr/>
+                    <a:lstStyle/>
+                    <a:p>
+                      <a:pPr algn="ctr">
+                        <a:lnSpc>
+                          <a:spcPct val="115000"/>
+                        </a:lnSpc>
+                        <a:spcAft>
+                          <a:spcPts val="0"/>
+                        </a:spcAft>
+                      </a:pPr>
+                      <a:r>
+                        <a:rPr lang="fr-FR" sz="1200">
+                          <a:effectLst/>
+                        </a:rPr>
+                        <a:t>gérer le stock</a:t>
+                      </a:r>
+                      <a:endParaRPr lang="fr-FR" sz="1100">
+                        <a:solidFill>
+                          <a:srgbClr val="000000"/>
+                        </a:solidFill>
+                        <a:effectLst/>
+                        <a:latin typeface="Calibri" panose="020F0502020204030204" pitchFamily="34" charset="0"/>
+                        <a:ea typeface="Calibri" panose="020F0502020204030204" pitchFamily="34" charset="0"/>
+                        <a:cs typeface="Arial" panose="020B0604020202020204" pitchFamily="34" charset="0"/>
+                      </a:endParaRPr>
+                    </a:p>
+                  </a:txBody>
+                  <a:tcPr marL="68580" marR="68580" marT="0" marB="0"/>
+                </a:tc>
+              </a:tr>
+              <a:tr h="2731055">
+                <a:tc>
+                  <a:txBody>
+                    <a:bodyPr/>
+                    <a:lstStyle/>
+                    <a:p>
+                      <a:pPr marL="342900" lvl="0" indent="-342900">
+                        <a:lnSpc>
+                          <a:spcPct val="115000"/>
+                        </a:lnSpc>
+                        <a:spcAft>
+                          <a:spcPts val="800"/>
+                        </a:spcAft>
+                        <a:buFont typeface="Times New Roman" panose="02020603050405020304" pitchFamily="18" charset="0"/>
+                        <a:buChar char="-"/>
+                      </a:pPr>
+                      <a:r>
+                        <a:rPr lang="fr-FR" sz="1200" b="0" dirty="0">
+                          <a:effectLst/>
+                        </a:rPr>
+                        <a:t>Gestion des ventes et réparations  </a:t>
+                      </a:r>
+                      <a:endParaRPr lang="fr-FR" sz="1100" b="0" dirty="0">
+                        <a:effectLst/>
+                      </a:endParaRPr>
+                    </a:p>
+                    <a:p>
+                      <a:pPr marL="342900" lvl="0" indent="-342900">
+                        <a:lnSpc>
+                          <a:spcPct val="115000"/>
+                        </a:lnSpc>
+                        <a:spcAft>
+                          <a:spcPts val="800"/>
+                        </a:spcAft>
+                        <a:buFont typeface="Times New Roman" panose="02020603050405020304" pitchFamily="18" charset="0"/>
+                        <a:buChar char="-"/>
+                      </a:pPr>
+                      <a:r>
+                        <a:rPr lang="fr-FR" sz="1200" b="0" dirty="0">
+                          <a:effectLst/>
+                        </a:rPr>
+                        <a:t>Gestion de stock des produits </a:t>
+                      </a:r>
+                      <a:endParaRPr lang="fr-FR" sz="1100" b="0" dirty="0">
+                        <a:effectLst/>
+                      </a:endParaRPr>
+                    </a:p>
+                    <a:p>
+                      <a:pPr marL="342900" lvl="0" indent="-342900">
+                        <a:lnSpc>
+                          <a:spcPct val="115000"/>
+                        </a:lnSpc>
+                        <a:spcAft>
+                          <a:spcPts val="800"/>
+                        </a:spcAft>
+                        <a:buFont typeface="Times New Roman" panose="02020603050405020304" pitchFamily="18" charset="0"/>
+                        <a:buChar char="-"/>
+                      </a:pPr>
+                      <a:r>
+                        <a:rPr lang="fr-FR" sz="1200" b="0" dirty="0">
+                          <a:effectLst/>
+                        </a:rPr>
+                        <a:t>Gestion des fournisseurs </a:t>
+                      </a:r>
+                      <a:endParaRPr lang="fr-FR" sz="1100" b="0" dirty="0">
+                        <a:effectLst/>
+                      </a:endParaRPr>
+                    </a:p>
+                    <a:p>
+                      <a:pPr marL="342900" lvl="0" indent="-342900">
+                        <a:lnSpc>
+                          <a:spcPct val="115000"/>
+                        </a:lnSpc>
+                        <a:spcAft>
+                          <a:spcPts val="800"/>
+                        </a:spcAft>
+                        <a:buFont typeface="Times New Roman" panose="02020603050405020304" pitchFamily="18" charset="0"/>
+                        <a:buChar char="-"/>
+                      </a:pPr>
+                      <a:r>
+                        <a:rPr lang="fr-FR" sz="1200" b="0" dirty="0">
+                          <a:effectLst/>
+                        </a:rPr>
+                        <a:t>Gestion d’utilisateur </a:t>
+                      </a:r>
+                      <a:endParaRPr lang="fr-FR" sz="1100" b="0" dirty="0">
+                        <a:effectLst/>
+                      </a:endParaRPr>
+                    </a:p>
+                    <a:p>
+                      <a:pPr marL="342900" lvl="0" indent="-342900">
+                        <a:lnSpc>
+                          <a:spcPct val="115000"/>
+                        </a:lnSpc>
+                        <a:spcAft>
+                          <a:spcPts val="800"/>
+                        </a:spcAft>
+                        <a:buFont typeface="Times New Roman" panose="02020603050405020304" pitchFamily="18" charset="0"/>
+                        <a:buChar char="-"/>
+                      </a:pPr>
+                      <a:r>
+                        <a:rPr lang="fr-FR" sz="1200" b="0" dirty="0">
+                          <a:effectLst/>
+                        </a:rPr>
+                        <a:t>Gestion des produits retournés aux fournisseurs </a:t>
+                      </a:r>
+                      <a:endParaRPr lang="fr-FR" sz="1100" b="0" dirty="0">
+                        <a:effectLst/>
+                      </a:endParaRPr>
+                    </a:p>
+                    <a:p>
+                      <a:pPr marL="342900" lvl="0" indent="-342900">
+                        <a:lnSpc>
+                          <a:spcPct val="115000"/>
+                        </a:lnSpc>
+                        <a:spcAft>
+                          <a:spcPts val="800"/>
+                        </a:spcAft>
+                        <a:buFont typeface="Times New Roman" panose="02020603050405020304" pitchFamily="18" charset="0"/>
+                        <a:buChar char="-"/>
+                      </a:pPr>
+                      <a:r>
+                        <a:rPr lang="fr-FR" sz="1200" b="0" dirty="0">
+                          <a:effectLst/>
+                        </a:rPr>
+                        <a:t>Statistique des ventes et réparations </a:t>
+                      </a:r>
+                      <a:endParaRPr lang="fr-FR" sz="1100" b="0" dirty="0">
+                        <a:solidFill>
+                          <a:srgbClr val="000000"/>
+                        </a:solidFill>
+                        <a:effectLst/>
+                        <a:latin typeface="Calibri" panose="020F0502020204030204" pitchFamily="34" charset="0"/>
+                        <a:ea typeface="Calibri" panose="020F0502020204030204" pitchFamily="34" charset="0"/>
+                        <a:cs typeface="Arial" panose="020B0604020202020204" pitchFamily="34" charset="0"/>
+                      </a:endParaRPr>
+                    </a:p>
+                  </a:txBody>
+                  <a:tcPr marL="68580" marR="68580" marT="0" marB="0"/>
+                </a:tc>
+                <a:tc>
+                  <a:txBody>
+                    <a:bodyPr/>
+                    <a:lstStyle/>
+                    <a:p>
+                      <a:pPr marL="342900" lvl="0" indent="-342900">
+                        <a:lnSpc>
+                          <a:spcPct val="115000"/>
+                        </a:lnSpc>
+                        <a:spcAft>
+                          <a:spcPts val="800"/>
+                        </a:spcAft>
+                        <a:buFont typeface="Times New Roman" panose="02020603050405020304" pitchFamily="18" charset="0"/>
+                        <a:buChar char="-"/>
+                      </a:pPr>
+                      <a:r>
+                        <a:rPr lang="fr-FR" sz="1200" dirty="0">
+                          <a:effectLst/>
+                        </a:rPr>
+                        <a:t>Gestion des ventes et réparations  </a:t>
+                      </a:r>
+                      <a:endParaRPr lang="fr-FR" sz="1100" dirty="0">
+                        <a:effectLst/>
+                      </a:endParaRPr>
+                    </a:p>
+                    <a:p>
+                      <a:pPr marL="342900" lvl="0" indent="-342900">
+                        <a:lnSpc>
+                          <a:spcPct val="115000"/>
+                        </a:lnSpc>
+                        <a:spcAft>
+                          <a:spcPts val="800"/>
+                        </a:spcAft>
+                        <a:buFont typeface="Times New Roman" panose="02020603050405020304" pitchFamily="18" charset="0"/>
+                        <a:buChar char="-"/>
+                      </a:pPr>
+                      <a:r>
+                        <a:rPr lang="fr-FR" sz="1200" dirty="0">
+                          <a:effectLst/>
+                        </a:rPr>
+                        <a:t>Gestion de stock des produits </a:t>
+                      </a:r>
+                      <a:endParaRPr lang="fr-FR" sz="1100" dirty="0">
+                        <a:effectLst/>
+                      </a:endParaRPr>
+                    </a:p>
+                    <a:p>
+                      <a:pPr marL="342900" lvl="0" indent="-342900">
+                        <a:lnSpc>
+                          <a:spcPct val="150000"/>
+                        </a:lnSpc>
+                        <a:spcAft>
+                          <a:spcPts val="800"/>
+                        </a:spcAft>
+                        <a:buFont typeface="Times New Roman" panose="02020603050405020304" pitchFamily="18" charset="0"/>
+                        <a:buChar char="-"/>
+                      </a:pPr>
+                      <a:r>
+                        <a:rPr lang="fr-FR" sz="1200" dirty="0">
+                          <a:effectLst/>
+                        </a:rPr>
+                        <a:t>Statistique des ventes et réparations </a:t>
+                      </a:r>
+                      <a:endParaRPr lang="fr-FR" sz="1100" dirty="0">
+                        <a:solidFill>
+                          <a:srgbClr val="000000"/>
+                        </a:solidFill>
+                        <a:effectLst/>
+                        <a:latin typeface="Calibri" panose="020F0502020204030204" pitchFamily="34" charset="0"/>
+                        <a:ea typeface="Calibri" panose="020F0502020204030204" pitchFamily="34" charset="0"/>
+                        <a:cs typeface="Arial" panose="020B0604020202020204" pitchFamily="34" charset="0"/>
+                      </a:endParaRPr>
+                    </a:p>
+                  </a:txBody>
+                  <a:tcPr marL="68580" marR="68580" marT="0" marB="0"/>
+                </a:tc>
+                <a:tc>
+                  <a:txBody>
+                    <a:bodyPr/>
+                    <a:lstStyle/>
+                    <a:p>
+                      <a:pPr marL="342900" lvl="0" indent="-342900">
+                        <a:lnSpc>
+                          <a:spcPct val="115000"/>
+                        </a:lnSpc>
+                        <a:spcAft>
+                          <a:spcPts val="800"/>
+                        </a:spcAft>
+                        <a:buFont typeface="Times New Roman" panose="02020603050405020304" pitchFamily="18" charset="0"/>
+                        <a:buChar char="-"/>
+                      </a:pPr>
+                      <a:r>
+                        <a:rPr lang="fr-FR" sz="1200" dirty="0">
+                          <a:effectLst/>
+                        </a:rPr>
+                        <a:t>Gestion de stock des produits </a:t>
+                      </a:r>
+                      <a:endParaRPr lang="fr-FR" sz="1100" dirty="0">
+                        <a:effectLst/>
+                      </a:endParaRPr>
+                    </a:p>
+                    <a:p>
+                      <a:pPr marL="342900" lvl="0" indent="-342900">
+                        <a:lnSpc>
+                          <a:spcPct val="115000"/>
+                        </a:lnSpc>
+                        <a:spcAft>
+                          <a:spcPts val="800"/>
+                        </a:spcAft>
+                        <a:buFont typeface="Times New Roman" panose="02020603050405020304" pitchFamily="18" charset="0"/>
+                        <a:buChar char="-"/>
+                      </a:pPr>
+                      <a:r>
+                        <a:rPr lang="fr-FR" sz="1200" dirty="0">
+                          <a:effectLst/>
+                        </a:rPr>
+                        <a:t>Gestion des fournisseurs </a:t>
+                      </a:r>
+                      <a:endParaRPr lang="fr-FR" sz="1100" dirty="0">
+                        <a:effectLst/>
+                      </a:endParaRPr>
+                    </a:p>
+                    <a:p>
+                      <a:pPr marL="342900" lvl="0" indent="-342900">
+                        <a:lnSpc>
+                          <a:spcPct val="115000"/>
+                        </a:lnSpc>
+                        <a:spcAft>
+                          <a:spcPts val="800"/>
+                        </a:spcAft>
+                        <a:buFont typeface="Times New Roman" panose="02020603050405020304" pitchFamily="18" charset="0"/>
+                        <a:buChar char="-"/>
+                      </a:pPr>
+                      <a:r>
+                        <a:rPr lang="fr-FR" sz="1200" dirty="0">
+                          <a:effectLst/>
+                        </a:rPr>
+                        <a:t>Gestion des produits retournés aux fournisseurs </a:t>
+                      </a:r>
+                      <a:endParaRPr lang="fr-FR" sz="1100" dirty="0">
+                        <a:effectLst/>
+                      </a:endParaRPr>
+                    </a:p>
+                    <a:p>
+                      <a:pPr marL="342900" lvl="0" indent="-342900">
+                        <a:lnSpc>
+                          <a:spcPct val="150000"/>
+                        </a:lnSpc>
+                        <a:spcAft>
+                          <a:spcPts val="800"/>
+                        </a:spcAft>
+                        <a:buFont typeface="Times New Roman" panose="02020603050405020304" pitchFamily="18" charset="0"/>
+                        <a:buChar char="-"/>
+                      </a:pPr>
+                      <a:r>
+                        <a:rPr lang="fr-FR" sz="1200" dirty="0">
+                          <a:effectLst/>
+                        </a:rPr>
+                        <a:t>Statistique des ventes et réparations </a:t>
+                      </a:r>
+                      <a:endParaRPr lang="fr-FR" sz="1100" dirty="0">
+                        <a:solidFill>
+                          <a:srgbClr val="000000"/>
+                        </a:solidFill>
+                        <a:effectLst/>
+                        <a:latin typeface="Calibri" panose="020F0502020204030204" pitchFamily="34" charset="0"/>
+                        <a:ea typeface="Calibri" panose="020F0502020204030204" pitchFamily="34" charset="0"/>
+                        <a:cs typeface="Arial" panose="020B0604020202020204" pitchFamily="34" charset="0"/>
+                      </a:endParaRPr>
+                    </a:p>
+                  </a:txBody>
+                  <a:tcPr marL="68580" marR="68580" marT="0" marB="0"/>
+                </a:tc>
+              </a:tr>
+            </a:tbl>
+          </a:graphicData>
+        </a:graphic>
+      </p:graphicFrame>
     </p:spTree>
     <p:extLst>
       <p:ext uri="{BB962C8B-B14F-4D97-AF65-F5344CB8AC3E}">
@@ -9520,6 +10605,13 @@
   <p:clrMapOvr>
     <a:masterClrMapping/>
   </p:clrMapOvr>
+  <p:timing>
+    <p:tnLst>
+      <p:par>
+        <p:cTn id="1" dur="indefinite" restart="never" nodeType="tmRoot"/>
+      </p:par>
+    </p:tnLst>
+  </p:timing>
 </p:sld>
 </file>
 
@@ -9542,48 +10634,12 @@
       </p:grpSpPr>
       <p:sp>
         <p:nvSpPr>
-          <p:cNvPr id="2" name="Titre 1">
-            <a:extLst>
-              <a:ext uri="{FF2B5EF4-FFF2-40B4-BE49-F238E27FC236}">
-                <a16:creationId xmlns:a16="http://schemas.microsoft.com/office/drawing/2014/main" id="{E3DFEB6A-87DD-4873-A6CC-10B868FA08DF}"/>
-              </a:ext>
-            </a:extLst>
-          </p:cNvPr>
+          <p:cNvPr id="2" name="Title 1"/>
           <p:cNvSpPr>
             <a:spLocks noGrp="1"/>
           </p:cNvSpPr>
           <p:nvPr>
             <p:ph type="title"/>
-          </p:nvPr>
-        </p:nvSpPr>
-        <p:spPr/>
-        <p:txBody>
-          <a:bodyPr>
-            <a:normAutofit/>
-          </a:bodyPr>
-          <a:lstStyle/>
-          <a:p>
-            <a:r>
-              <a:rPr lang="fr-FR" sz="3200" dirty="0"/>
-              <a:t>2.2 Choix de la méthode de conception</a:t>
-            </a:r>
-          </a:p>
-        </p:txBody>
-      </p:sp>
-      <p:sp>
-        <p:nvSpPr>
-          <p:cNvPr id="3" name="Espace réservé du contenu 2">
-            <a:extLst>
-              <a:ext uri="{FF2B5EF4-FFF2-40B4-BE49-F238E27FC236}">
-                <a16:creationId xmlns:a16="http://schemas.microsoft.com/office/drawing/2014/main" id="{69CB01BF-6A35-4A4E-88EB-9A76330E6052}"/>
-              </a:ext>
-            </a:extLst>
-          </p:cNvPr>
-          <p:cNvSpPr>
-            <a:spLocks noGrp="1"/>
-          </p:cNvSpPr>
-          <p:nvPr>
-            <p:ph idx="1"/>
           </p:nvPr>
         </p:nvSpPr>
         <p:spPr/>
@@ -9591,14 +10647,68 @@
           <a:bodyPr/>
           <a:lstStyle/>
           <a:p>
+            <a:r>
+              <a:rPr lang="fr-FR" dirty="0" err="1" smtClean="0"/>
+              <a:t>Hadchi</a:t>
+            </a:r>
+            <a:r>
+              <a:rPr lang="fr-FR" dirty="0" smtClean="0"/>
+              <a:t> bit </a:t>
+            </a:r>
+            <a:r>
+              <a:rPr lang="fr-FR" dirty="0" err="1" smtClean="0"/>
+              <a:t>ngolo</a:t>
+            </a:r>
             <a:endParaRPr lang="fr-FR" dirty="0"/>
+          </a:p>
+        </p:txBody>
+      </p:sp>
+      <p:sp>
+        <p:nvSpPr>
+          <p:cNvPr id="3" name="Content Placeholder 2"/>
+          <p:cNvSpPr>
+            <a:spLocks noGrp="1"/>
+          </p:cNvSpPr>
+          <p:nvPr>
+            <p:ph idx="1"/>
+          </p:nvPr>
+        </p:nvSpPr>
+        <p:spPr/>
+        <p:txBody>
+          <a:bodyPr/>
+          <a:lstStyle/>
+          <a:p>
+            <a:r>
+              <a:rPr lang="fr-FR" dirty="0"/>
+              <a:t>le rôle vendeur qui est permis gestion vente des produits et réparation des  </a:t>
+            </a:r>
+            <a:r>
+              <a:rPr lang="fr-FR" dirty="0" smtClean="0"/>
+              <a:t>matériels</a:t>
+            </a:r>
+          </a:p>
+          <a:p>
+            <a:r>
+              <a:rPr lang="fr-FR" dirty="0"/>
+              <a:t>le rôle vendeur qui permet de gestion vente des produits et réparation du matériel </a:t>
+            </a:r>
+            <a:r>
+              <a:rPr lang="fr-FR" dirty="0" smtClean="0"/>
+              <a:t>informatique</a:t>
+            </a:r>
+          </a:p>
+          <a:p>
+            <a:r>
+              <a:rPr lang="fr-FR" dirty="0"/>
+              <a:t>le rôle Administrateur qui permet de tous les opérations vendeur et gérer le stock en plus gestion du utilisateur</a:t>
+            </a:r>
           </a:p>
         </p:txBody>
       </p:sp>
     </p:spTree>
     <p:extLst>
       <p:ext uri="{BB962C8B-B14F-4D97-AF65-F5344CB8AC3E}">
-        <p14:creationId xmlns:p14="http://schemas.microsoft.com/office/powerpoint/2010/main" val="3945558267"/>
+        <p14:creationId xmlns:p14="http://schemas.microsoft.com/office/powerpoint/2010/main" val="1681319271"/>
       </p:ext>
     </p:extLst>
   </p:cSld>
@@ -9852,6 +10962,21 @@
 </file>
 
 <file path=customXml/item1.xml><?xml version="1.0" encoding="utf-8"?>
+<p:properties xmlns:p="http://schemas.microsoft.com/office/2006/metadata/properties" xmlns:xsi="http://www.w3.org/2001/XMLSchema-instance" xmlns:pc="http://schemas.microsoft.com/office/infopath/2007/PartnerControls">
+  <documentManagement/>
+</p:properties>
+</file>
+
+<file path=customXml/item2.xml><?xml version="1.0" encoding="utf-8"?>
+<?mso-contentType ?>
+<FormTemplates xmlns="http://schemas.microsoft.com/sharepoint/v3/contenttype/forms">
+  <Display>DocumentLibraryForm</Display>
+  <Edit>DocumentLibraryForm</Edit>
+  <New>DocumentLibraryForm</New>
+</FormTemplates>
+</file>
+
+<file path=customXml/item3.xml><?xml version="1.0" encoding="utf-8"?>
 <ct:contentTypeSchema xmlns:ct="http://schemas.microsoft.com/office/2006/metadata/contentType" xmlns:ma="http://schemas.microsoft.com/office/2006/metadata/properties/metaAttributes" ct:_="" ma:_="" ma:contentTypeName="Document" ma:contentTypeID="0x01010036079563CDFC254891F6D62582790973" ma:contentTypeVersion="9" ma:contentTypeDescription="Crée un document." ma:contentTypeScope="" ma:versionID="0538e3f8e84d181a0843551ef9487b5a">
   <xsd:schema xmlns:xsd="http://www.w3.org/2001/XMLSchema" xmlns:xs="http://www.w3.org/2001/XMLSchema" xmlns:p="http://schemas.microsoft.com/office/2006/metadata/properties" xmlns:ns2="5d1167ab-d626-40b4-a6ce-542099326882" xmlns:ns3="01c023f0-3fa2-4545-afda-0192f9544699" targetNamespace="http://schemas.microsoft.com/office/2006/metadata/properties" ma:root="true" ma:fieldsID="7eedf675d09c21014a00909436e4b6db" ns2:_="" ns3:_="">
     <xsd:import namespace="5d1167ab-d626-40b4-a6ce-542099326882"/>
@@ -10048,29 +11173,38 @@
 </ct:contentTypeSchema>
 </file>
 
-<file path=customXml/item2.xml><?xml version="1.0" encoding="utf-8"?>
-<?mso-contentType ?>
-<FormTemplates xmlns="http://schemas.microsoft.com/sharepoint/v3/contenttype/forms">
-  <Display>DocumentLibraryForm</Display>
-  <Edit>DocumentLibraryForm</Edit>
-  <New>DocumentLibraryForm</New>
-</FormTemplates>
-</file>
-
-<file path=customXml/item3.xml><?xml version="1.0" encoding="utf-8"?>
-<p:properties xmlns:p="http://schemas.microsoft.com/office/2006/metadata/properties" xmlns:xsi="http://www.w3.org/2001/XMLSchema-instance" xmlns:pc="http://schemas.microsoft.com/office/infopath/2007/PartnerControls">
-  <documentManagement/>
-</p:properties>
-</file>
-
 <file path=customXml/itemProps1.xml><?xml version="1.0" encoding="utf-8"?>
-<ds:datastoreItem xmlns:ds="http://schemas.openxmlformats.org/officeDocument/2006/customXml" ds:itemID="{4E4DCB44-1F54-48DB-BCE6-E9E56E2CE40E}"/>
+<ds:datastoreItem xmlns:ds="http://schemas.openxmlformats.org/officeDocument/2006/customXml" ds:itemID="{8F2E59F0-4C46-48CF-AE0F-47F5029C8F45}">
+  <ds:schemaRefs>
+    <ds:schemaRef ds:uri="http://schemas.microsoft.com/office/2006/metadata/properties"/>
+    <ds:schemaRef ds:uri="http://schemas.microsoft.com/office/infopath/2007/PartnerControls"/>
+  </ds:schemaRefs>
+</ds:datastoreItem>
 </file>
 
 <file path=customXml/itemProps2.xml><?xml version="1.0" encoding="utf-8"?>
-<ds:datastoreItem xmlns:ds="http://schemas.openxmlformats.org/officeDocument/2006/customXml" ds:itemID="{BA639EFE-B05F-46B2-B03E-C2B3F90F76B4}"/>
+<ds:datastoreItem xmlns:ds="http://schemas.openxmlformats.org/officeDocument/2006/customXml" ds:itemID="{BA639EFE-B05F-46B2-B03E-C2B3F90F76B4}">
+  <ds:schemaRefs>
+    <ds:schemaRef ds:uri="http://schemas.microsoft.com/sharepoint/v3/contenttype/forms"/>
+  </ds:schemaRefs>
+</ds:datastoreItem>
 </file>
 
 <file path=customXml/itemProps3.xml><?xml version="1.0" encoding="utf-8"?>
-<ds:datastoreItem xmlns:ds="http://schemas.openxmlformats.org/officeDocument/2006/customXml" ds:itemID="{8F2E59F0-4C46-48CF-AE0F-47F5029C8F45}"/>
+<ds:datastoreItem xmlns:ds="http://schemas.openxmlformats.org/officeDocument/2006/customXml" ds:itemID="{4E4DCB44-1F54-48DB-BCE6-E9E56E2CE40E}">
+  <ds:schemaRefs>
+    <ds:schemaRef ds:uri="http://schemas.microsoft.com/office/2006/metadata/contentType"/>
+    <ds:schemaRef ds:uri="http://schemas.microsoft.com/office/2006/metadata/properties/metaAttributes"/>
+    <ds:schemaRef ds:uri="http://www.w3.org/2001/XMLSchema"/>
+    <ds:schemaRef ds:uri="http://schemas.microsoft.com/office/2006/metadata/properties"/>
+    <ds:schemaRef ds:uri="5d1167ab-d626-40b4-a6ce-542099326882"/>
+    <ds:schemaRef ds:uri="01c023f0-3fa2-4545-afda-0192f9544699"/>
+    <ds:schemaRef ds:uri="http://schemas.microsoft.com/office/2006/documentManagement/types"/>
+    <ds:schemaRef ds:uri="http://schemas.microsoft.com/office/infopath/2007/PartnerControls"/>
+    <ds:schemaRef ds:uri="http://schemas.openxmlformats.org/package/2006/metadata/core-properties"/>
+    <ds:schemaRef ds:uri="http://purl.org/dc/elements/1.1/"/>
+    <ds:schemaRef ds:uri="http://purl.org/dc/terms/"/>
+    <ds:schemaRef ds:uri="http://schemas.microsoft.com/internal/obd"/>
+  </ds:schemaRefs>
+</ds:datastoreItem>
 </file>
--- a/Plan présenation.pptx
+++ b/Plan présenation.pptx
@@ -327,7 +327,7 @@
           <a:p>
             <a:fld id="{01E9F85D-BDA6-4CEC-905A-6A68B32258C7}" type="datetimeFigureOut">
               <a:rPr lang="fr-FR" smtClean="0"/>
-              <a:t>29/05/2021</a:t>
+              <a:t>30/05/2021</a:t>
             </a:fld>
             <a:endParaRPr lang="fr-FR"/>
           </a:p>
@@ -665,7 +665,7 @@
           <a:p>
             <a:fld id="{01E9F85D-BDA6-4CEC-905A-6A68B32258C7}" type="datetimeFigureOut">
               <a:rPr lang="fr-FR" smtClean="0"/>
-              <a:t>29/05/2021</a:t>
+              <a:t>30/05/2021</a:t>
             </a:fld>
             <a:endParaRPr lang="fr-FR"/>
           </a:p>
@@ -1066,7 +1066,7 @@
           <a:p>
             <a:fld id="{01E9F85D-BDA6-4CEC-905A-6A68B32258C7}" type="datetimeFigureOut">
               <a:rPr lang="fr-FR" smtClean="0"/>
-              <a:t>29/05/2021</a:t>
+              <a:t>30/05/2021</a:t>
             </a:fld>
             <a:endParaRPr lang="fr-FR"/>
           </a:p>
@@ -1402,7 +1402,7 @@
           <a:p>
             <a:fld id="{01E9F85D-BDA6-4CEC-905A-6A68B32258C7}" type="datetimeFigureOut">
               <a:rPr lang="fr-FR" smtClean="0"/>
-              <a:t>29/05/2021</a:t>
+              <a:t>30/05/2021</a:t>
             </a:fld>
             <a:endParaRPr lang="fr-FR"/>
           </a:p>
@@ -1722,7 +1722,7 @@
           <a:p>
             <a:fld id="{01E9F85D-BDA6-4CEC-905A-6A68B32258C7}" type="datetimeFigureOut">
               <a:rPr lang="fr-FR" smtClean="0"/>
-              <a:t>29/05/2021</a:t>
+              <a:t>30/05/2021</a:t>
             </a:fld>
             <a:endParaRPr lang="fr-FR"/>
           </a:p>
@@ -2118,7 +2118,7 @@
           <a:p>
             <a:fld id="{01E9F85D-BDA6-4CEC-905A-6A68B32258C7}" type="datetimeFigureOut">
               <a:rPr lang="fr-FR" smtClean="0"/>
-              <a:t>29/05/2021</a:t>
+              <a:t>30/05/2021</a:t>
             </a:fld>
             <a:endParaRPr lang="fr-FR"/>
           </a:p>
@@ -2375,7 +2375,7 @@
           <a:p>
             <a:fld id="{01E9F85D-BDA6-4CEC-905A-6A68B32258C7}" type="datetimeFigureOut">
               <a:rPr lang="fr-FR" smtClean="0"/>
-              <a:t>29/05/2021</a:t>
+              <a:t>30/05/2021</a:t>
             </a:fld>
             <a:endParaRPr lang="fr-FR"/>
           </a:p>
@@ -2637,7 +2637,7 @@
           <a:p>
             <a:fld id="{01E9F85D-BDA6-4CEC-905A-6A68B32258C7}" type="datetimeFigureOut">
               <a:rPr lang="fr-FR" smtClean="0"/>
-              <a:t>29/05/2021</a:t>
+              <a:t>30/05/2021</a:t>
             </a:fld>
             <a:endParaRPr lang="fr-FR"/>
           </a:p>
@@ -2899,7 +2899,7 @@
           <a:p>
             <a:fld id="{01E9F85D-BDA6-4CEC-905A-6A68B32258C7}" type="datetimeFigureOut">
               <a:rPr lang="fr-FR" smtClean="0"/>
-              <a:t>29/05/2021</a:t>
+              <a:t>30/05/2021</a:t>
             </a:fld>
             <a:endParaRPr lang="fr-FR"/>
           </a:p>
@@ -3228,7 +3228,7 @@
           <a:p>
             <a:fld id="{01E9F85D-BDA6-4CEC-905A-6A68B32258C7}" type="datetimeFigureOut">
               <a:rPr lang="fr-FR" smtClean="0"/>
-              <a:t>29/05/2021</a:t>
+              <a:t>30/05/2021</a:t>
             </a:fld>
             <a:endParaRPr lang="fr-FR"/>
           </a:p>
@@ -3551,7 +3551,7 @@
           <a:p>
             <a:fld id="{01E9F85D-BDA6-4CEC-905A-6A68B32258C7}" type="datetimeFigureOut">
               <a:rPr lang="fr-FR" smtClean="0"/>
-              <a:t>29/05/2021</a:t>
+              <a:t>30/05/2021</a:t>
             </a:fld>
             <a:endParaRPr lang="fr-FR"/>
           </a:p>
@@ -4008,7 +4008,7 @@
           <a:p>
             <a:fld id="{01E9F85D-BDA6-4CEC-905A-6A68B32258C7}" type="datetimeFigureOut">
               <a:rPr lang="fr-FR" smtClean="0"/>
-              <a:t>29/05/2021</a:t>
+              <a:t>30/05/2021</a:t>
             </a:fld>
             <a:endParaRPr lang="fr-FR"/>
           </a:p>
@@ -4213,7 +4213,7 @@
           <a:p>
             <a:fld id="{01E9F85D-BDA6-4CEC-905A-6A68B32258C7}" type="datetimeFigureOut">
               <a:rPr lang="fr-FR" smtClean="0"/>
-              <a:t>29/05/2021</a:t>
+              <a:t>30/05/2021</a:t>
             </a:fld>
             <a:endParaRPr lang="fr-FR"/>
           </a:p>
@@ -4390,7 +4390,7 @@
           <a:p>
             <a:fld id="{01E9F85D-BDA6-4CEC-905A-6A68B32258C7}" type="datetimeFigureOut">
               <a:rPr lang="fr-FR" smtClean="0"/>
-              <a:t>29/05/2021</a:t>
+              <a:t>30/05/2021</a:t>
             </a:fld>
             <a:endParaRPr lang="fr-FR"/>
           </a:p>
@@ -4723,7 +4723,7 @@
           <a:p>
             <a:fld id="{01E9F85D-BDA6-4CEC-905A-6A68B32258C7}" type="datetimeFigureOut">
               <a:rPr lang="fr-FR" smtClean="0"/>
-              <a:t>29/05/2021</a:t>
+              <a:t>30/05/2021</a:t>
             </a:fld>
             <a:endParaRPr lang="fr-FR"/>
           </a:p>
@@ -5068,7 +5068,7 @@
           <a:p>
             <a:fld id="{01E9F85D-BDA6-4CEC-905A-6A68B32258C7}" type="datetimeFigureOut">
               <a:rPr lang="fr-FR" smtClean="0"/>
-              <a:t>29/05/2021</a:t>
+              <a:t>30/05/2021</a:t>
             </a:fld>
             <a:endParaRPr lang="fr-FR"/>
           </a:p>
@@ -7185,7 +7185,7 @@
           <a:p>
             <a:fld id="{01E9F85D-BDA6-4CEC-905A-6A68B32258C7}" type="datetimeFigureOut">
               <a:rPr lang="fr-FR" smtClean="0"/>
-              <a:t>29/05/2021</a:t>
+              <a:t>30/05/2021</a:t>
             </a:fld>
             <a:endParaRPr lang="fr-FR"/>
           </a:p>
@@ -7806,15 +7806,21 @@
           </a:p>
           <a:p>
             <a:r>
-              <a:rPr lang="fr-FR" b="1" dirty="0"/>
-              <a:t>Stagiaire 1</a:t>
-            </a:r>
-          </a:p>
-          <a:p>
-            <a:r>
-              <a:rPr lang="fr-FR" b="1" dirty="0"/>
-              <a:t>Stagiaire 2</a:t>
-            </a:r>
+              <a:rPr lang="fr-FR" dirty="0"/>
+              <a:t>Ayoub </a:t>
+            </a:r>
+            <a:r>
+              <a:rPr lang="fr-FR" dirty="0" smtClean="0"/>
+              <a:t>elmarhraoui</a:t>
+            </a:r>
+            <a:endParaRPr lang="fr-FR" b="1" dirty="0"/>
+          </a:p>
+          <a:p>
+            <a:r>
+              <a:rPr lang="fr-FR" dirty="0"/>
+              <a:t>IDRISS AIT SIELARABI </a:t>
+            </a:r>
+            <a:endParaRPr lang="fr-FR" b="1" dirty="0"/>
           </a:p>
         </p:txBody>
       </p:sp>
@@ -12800,9 +12806,16 @@
             <p:ph idx="1"/>
           </p:nvPr>
         </p:nvSpPr>
-        <p:spPr/>
+        <p:spPr>
+          <a:xfrm>
+            <a:off x="1543793" y="1425039"/>
+            <a:ext cx="9960820" cy="4486183"/>
+          </a:xfrm>
+        </p:spPr>
         <p:txBody>
-          <a:bodyPr/>
+          <a:bodyPr>
+            <a:normAutofit fontScale="92500" lnSpcReduction="10000"/>
+          </a:bodyPr>
           <a:lstStyle/>
           <a:p>
             <a:pPr>
@@ -12810,8 +12823,22 @@
               <a:buAutoNum type="arabicPeriod"/>
             </a:pPr>
             <a:r>
+              <a:rPr lang="fr-FR" b="1" dirty="0" smtClean="0"/>
+              <a:t>Introduction</a:t>
+            </a:r>
+            <a:r>
               <a:rPr lang="fr-FR" b="1" dirty="0"/>
-              <a:t>Chapitre 1: Contexte général du Projet</a:t>
+              <a:t>.</a:t>
+            </a:r>
+          </a:p>
+          <a:p>
+            <a:pPr>
+              <a:buFont typeface="+mj-lt"/>
+              <a:buAutoNum type="arabicPeriod"/>
+            </a:pPr>
+            <a:r>
+              <a:rPr lang="fr-FR" b="1" dirty="0"/>
+              <a:t>Chapitre 1: Contexte général du Projet.</a:t>
             </a:r>
           </a:p>
           <a:p>
@@ -12819,8 +12846,16 @@
               <a:buNone/>
             </a:pPr>
             <a:r>
+              <a:rPr lang="fr-FR" b="1" dirty="0" smtClean="0"/>
+              <a:t>1.1 </a:t>
+            </a:r>
+            <a:r>
+              <a:rPr lang="fr-FR" dirty="0" smtClean="0"/>
+              <a:t> </a:t>
+            </a:r>
+            <a:r>
               <a:rPr lang="fr-FR" b="1" dirty="0"/>
-              <a:t>1.1 ………………………</a:t>
+              <a:t>Présentation de l’existant et problématique.</a:t>
             </a:r>
           </a:p>
           <a:p>
@@ -12829,7 +12864,81 @@
             </a:pPr>
             <a:r>
               <a:rPr lang="fr-FR" b="1" dirty="0"/>
-              <a:t>1.2 ………………………</a:t>
+              <a:t>1.2  Solution proposée et objectifs du projet.</a:t>
+            </a:r>
+          </a:p>
+          <a:p>
+            <a:pPr>
+              <a:buFont typeface="+mj-lt"/>
+              <a:buAutoNum type="arabicPeriod"/>
+            </a:pPr>
+            <a:r>
+              <a:rPr lang="fr-FR" b="1" dirty="0"/>
+              <a:t>Chapitre 2: Analyse et Conception.</a:t>
+            </a:r>
+          </a:p>
+          <a:p>
+            <a:pPr marL="457200" lvl="1" indent="0">
+              <a:buNone/>
+            </a:pPr>
+            <a:r>
+              <a:rPr lang="fr-FR" b="1" dirty="0"/>
+              <a:t>2.1 Les besoins fonctionnels </a:t>
+            </a:r>
+          </a:p>
+          <a:p>
+            <a:pPr marL="457200" lvl="1" indent="0">
+              <a:buNone/>
+            </a:pPr>
+            <a:r>
+              <a:rPr lang="fr-FR" b="1" dirty="0"/>
+              <a:t>2.2 Choix de la méthode de conception.</a:t>
+            </a:r>
+          </a:p>
+          <a:p>
+            <a:pPr marL="457200" lvl="1" indent="0">
+              <a:buNone/>
+            </a:pPr>
+            <a:r>
+              <a:rPr lang="fr-FR" b="1" dirty="0"/>
+              <a:t>2.3 Dictionnaire de données. </a:t>
+            </a:r>
+          </a:p>
+          <a:p>
+            <a:pPr marL="457200" lvl="1" indent="0">
+              <a:buNone/>
+            </a:pPr>
+            <a:r>
+              <a:rPr lang="fr-FR" b="1" dirty="0"/>
+              <a:t>2.4 modèle conceptuel de données.</a:t>
+            </a:r>
+          </a:p>
+          <a:p>
+            <a:pPr marL="457200" lvl="1" indent="0">
+              <a:buNone/>
+            </a:pPr>
+            <a:r>
+              <a:rPr lang="fr-FR" b="1" dirty="0"/>
+              <a:t>2.5 Le modèle logique de données.</a:t>
+            </a:r>
+          </a:p>
+          <a:p>
+            <a:pPr>
+              <a:buFont typeface="+mj-lt"/>
+              <a:buAutoNum type="arabicPeriod"/>
+            </a:pPr>
+            <a:r>
+              <a:rPr lang="fr-FR" b="1" dirty="0"/>
+              <a:t>Chapitre 3: Réalisation et mise en œuvre.</a:t>
+            </a:r>
+          </a:p>
+          <a:p>
+            <a:pPr marL="457200" lvl="1" indent="0">
+              <a:buNone/>
+            </a:pPr>
+            <a:r>
+              <a:rPr lang="fr-FR" b="1" dirty="0"/>
+              <a:t>3.1 les principale interfaces</a:t>
             </a:r>
           </a:p>
           <a:p>
@@ -12839,17 +12948,7 @@
             </a:pPr>
             <a:r>
               <a:rPr lang="fr-FR" b="1" dirty="0"/>
-              <a:t>Chapitre 2: Analyse et Conception</a:t>
-            </a:r>
-          </a:p>
-          <a:p>
-            <a:pPr marL="400050">
-              <a:buFont typeface="+mj-lt"/>
-              <a:buAutoNum type="arabicPeriod"/>
-            </a:pPr>
-            <a:r>
-              <a:rPr lang="fr-FR" b="1" dirty="0"/>
-              <a:t>………………………………</a:t>
+              <a:t>Conclusion </a:t>
             </a:r>
           </a:p>
         </p:txBody>
@@ -13035,11 +13134,7 @@
           <a:p>
             <a:r>
               <a:rPr lang="fr-FR" dirty="0" err="1" smtClean="0"/>
-              <a:t>Asp</a:t>
-            </a:r>
-            <a:r>
-              <a:rPr lang="fr-FR" dirty="0" err="1" smtClean="0"/>
-              <a:t>,net</a:t>
+              <a:t>Asp,net</a:t>
             </a:r>
             <a:r>
               <a:rPr lang="fr-FR" dirty="0" smtClean="0"/>
@@ -13633,9 +13728,9 @@
       </p:grpSpPr>
       <p:pic>
         <p:nvPicPr>
-          <p:cNvPr id="4098" name="Picture 2" descr="screencapture-localhost-4200-Gestion-Stock-Produits-2021-05-29-20_23_45"/>
+          <p:cNvPr id="2" name="Picture 1"/>
           <p:cNvPicPr>
-            <a:picLocks noChangeAspect="1" noChangeArrowheads="1"/>
+            <a:picLocks noChangeAspect="1"/>
           </p:cNvPicPr>
           <p:nvPr/>
         </p:nvPicPr>
@@ -13647,42 +13742,18 @@
               </a:ext>
             </a:extLst>
           </a:blip>
-          <a:srcRect/>
           <a:stretch>
             <a:fillRect/>
           </a:stretch>
         </p:blipFill>
-        <p:spPr bwMode="auto">
+        <p:spPr>
           <a:xfrm>
-            <a:off x="2213573" y="230393"/>
-            <a:ext cx="7714198" cy="6305550"/>
+            <a:off x="1922105" y="390323"/>
+            <a:ext cx="9133822" cy="6194544"/>
           </a:xfrm>
           <a:prstGeom prst="rect">
             <a:avLst/>
           </a:prstGeom>
-          <a:noFill/>
-          <a:ln>
-            <a:noFill/>
-          </a:ln>
-          <a:extLst>
-            <a:ext uri="{909E8E84-426E-40DD-AFC4-6F175D3DCCD1}">
-              <a14:hiddenFill xmlns:a14="http://schemas.microsoft.com/office/drawing/2010/main">
-                <a:solidFill>
-                  <a:srgbClr val="FFFFFF"/>
-                </a:solidFill>
-              </a14:hiddenFill>
-            </a:ext>
-            <a:ext uri="{91240B29-F687-4F45-9708-019B960494DF}">
-              <a14:hiddenLine xmlns:a14="http://schemas.microsoft.com/office/drawing/2010/main" w="9525">
-                <a:solidFill>
-                  <a:srgbClr val="000000"/>
-                </a:solidFill>
-                <a:miter lim="800000"/>
-                <a:headEnd/>
-                <a:tailEnd/>
-              </a14:hiddenLine>
-            </a:ext>
-          </a:extLst>
         </p:spPr>
       </p:pic>
     </p:spTree>
@@ -14627,7 +14698,7 @@
         </p:nvGraphicFramePr>
         <p:xfrm>
           <a:off x="1342332" y="2518611"/>
-          <a:ext cx="9437964" cy="3419983"/>
+          <a:ext cx="9437964" cy="3482848"/>
         </p:xfrm>
         <a:graphic>
           <a:graphicData uri="http://schemas.openxmlformats.org/drawingml/2006/table">

--- a/Plan présenation.pptx
+++ b/Plan présenation.pptx
@@ -133,7 +133,7 @@
   </p:defaultTextStyle>
   <p:extLst>
     <p:ext uri="{EFAFB233-063F-42B5-8137-9DF3F51BA10A}">
-      <p15:sldGuideLst xmlns:p15="http://schemas.microsoft.com/office/powerpoint/2012/main"/>
+      <p15:sldGuideLst xmlns:p15="http://schemas.microsoft.com/office/powerpoint/2012/main" xmlns=""/>
     </p:ext>
   </p:extLst>
 </p:presentation>
@@ -456,7 +456,7 @@
           <a:p>
             <a:fld id="{4D76C695-2981-4600-A619-F6BFB74F6BD2}" type="slidenum">
               <a:rPr lang="fr-FR" smtClean="0"/>
-              <a:t>‹#›</a:t>
+              <a:t>‹N°›</a:t>
             </a:fld>
             <a:endParaRPr lang="fr-FR"/>
           </a:p>
@@ -794,7 +794,7 @@
           <a:p>
             <a:fld id="{4D76C695-2981-4600-A619-F6BFB74F6BD2}" type="slidenum">
               <a:rPr lang="fr-FR" smtClean="0"/>
-              <a:t>‹#›</a:t>
+              <a:t>‹N°›</a:t>
             </a:fld>
             <a:endParaRPr lang="fr-FR"/>
           </a:p>
@@ -1195,7 +1195,7 @@
           <a:p>
             <a:fld id="{4D76C695-2981-4600-A619-F6BFB74F6BD2}" type="slidenum">
               <a:rPr lang="fr-FR" smtClean="0"/>
-              <a:t>‹#›</a:t>
+              <a:t>‹N°›</a:t>
             </a:fld>
             <a:endParaRPr lang="fr-FR"/>
           </a:p>
@@ -1531,7 +1531,7 @@
           <a:p>
             <a:fld id="{4D76C695-2981-4600-A619-F6BFB74F6BD2}" type="slidenum">
               <a:rPr lang="fr-FR" smtClean="0"/>
-              <a:t>‹#›</a:t>
+              <a:t>‹N°›</a:t>
             </a:fld>
             <a:endParaRPr lang="fr-FR"/>
           </a:p>
@@ -1851,7 +1851,7 @@
           <a:p>
             <a:fld id="{4D76C695-2981-4600-A619-F6BFB74F6BD2}" type="slidenum">
               <a:rPr lang="fr-FR" smtClean="0"/>
-              <a:t>‹#›</a:t>
+              <a:t>‹N°›</a:t>
             </a:fld>
             <a:endParaRPr lang="fr-FR"/>
           </a:p>
@@ -2247,7 +2247,7 @@
           <a:p>
             <a:fld id="{4D76C695-2981-4600-A619-F6BFB74F6BD2}" type="slidenum">
               <a:rPr lang="fr-FR" smtClean="0"/>
-              <a:t>‹#›</a:t>
+              <a:t>‹N°›</a:t>
             </a:fld>
             <a:endParaRPr lang="fr-FR"/>
           </a:p>
@@ -2499,7 +2499,7 @@
           <a:p>
             <a:fld id="{4D76C695-2981-4600-A619-F6BFB74F6BD2}" type="slidenum">
               <a:rPr lang="fr-FR" smtClean="0"/>
-              <a:t>‹#›</a:t>
+              <a:t>‹N°›</a:t>
             </a:fld>
             <a:endParaRPr lang="fr-FR"/>
           </a:p>
@@ -2761,7 +2761,7 @@
           <a:p>
             <a:fld id="{4D76C695-2981-4600-A619-F6BFB74F6BD2}" type="slidenum">
               <a:rPr lang="fr-FR" smtClean="0"/>
-              <a:t>‹#›</a:t>
+              <a:t>‹N°›</a:t>
             </a:fld>
             <a:endParaRPr lang="fr-FR"/>
           </a:p>
@@ -3023,7 +3023,7 @@
           <a:p>
             <a:fld id="{4D76C695-2981-4600-A619-F6BFB74F6BD2}" type="slidenum">
               <a:rPr lang="fr-FR" smtClean="0"/>
-              <a:t>‹#›</a:t>
+              <a:t>‹N°›</a:t>
             </a:fld>
             <a:endParaRPr lang="fr-FR"/>
           </a:p>
@@ -3357,7 +3357,7 @@
           <a:p>
             <a:fld id="{4D76C695-2981-4600-A619-F6BFB74F6BD2}" type="slidenum">
               <a:rPr lang="fr-FR" smtClean="0"/>
-              <a:t>‹#›</a:t>
+              <a:t>‹N°›</a:t>
             </a:fld>
             <a:endParaRPr lang="fr-FR"/>
           </a:p>
@@ -3680,7 +3680,7 @@
           <a:p>
             <a:fld id="{4D76C695-2981-4600-A619-F6BFB74F6BD2}" type="slidenum">
               <a:rPr lang="fr-FR" smtClean="0"/>
-              <a:t>‹#›</a:t>
+              <a:t>‹N°›</a:t>
             </a:fld>
             <a:endParaRPr lang="fr-FR"/>
           </a:p>
@@ -4137,7 +4137,7 @@
           <a:p>
             <a:fld id="{4D76C695-2981-4600-A619-F6BFB74F6BD2}" type="slidenum">
               <a:rPr lang="fr-FR" smtClean="0"/>
-              <a:t>‹#›</a:t>
+              <a:t>‹N°›</a:t>
             </a:fld>
             <a:endParaRPr lang="fr-FR"/>
           </a:p>
@@ -4337,7 +4337,7 @@
           <a:p>
             <a:fld id="{4D76C695-2981-4600-A619-F6BFB74F6BD2}" type="slidenum">
               <a:rPr lang="fr-FR" smtClean="0"/>
-              <a:t>‹#›</a:t>
+              <a:t>‹N°›</a:t>
             </a:fld>
             <a:endParaRPr lang="fr-FR"/>
           </a:p>
@@ -4514,7 +4514,7 @@
           <a:p>
             <a:fld id="{4D76C695-2981-4600-A619-F6BFB74F6BD2}" type="slidenum">
               <a:rPr lang="fr-FR" smtClean="0"/>
-              <a:t>‹#›</a:t>
+              <a:t>‹N°›</a:t>
             </a:fld>
             <a:endParaRPr lang="fr-FR"/>
           </a:p>
@@ -4847,7 +4847,7 @@
           <a:p>
             <a:fld id="{4D76C695-2981-4600-A619-F6BFB74F6BD2}" type="slidenum">
               <a:rPr lang="fr-FR" smtClean="0"/>
-              <a:t>‹#›</a:t>
+              <a:t>‹N°›</a:t>
             </a:fld>
             <a:endParaRPr lang="fr-FR"/>
           </a:p>
@@ -5197,7 +5197,7 @@
           <a:p>
             <a:fld id="{4D76C695-2981-4600-A619-F6BFB74F6BD2}" type="slidenum">
               <a:rPr lang="fr-FR" smtClean="0"/>
-              <a:t>‹#›</a:t>
+              <a:t>‹N°›</a:t>
             </a:fld>
             <a:endParaRPr lang="fr-FR"/>
           </a:p>
@@ -7261,7 +7261,7 @@
           <a:p>
             <a:fld id="{4D76C695-2981-4600-A619-F6BFB74F6BD2}" type="slidenum">
               <a:rPr lang="fr-FR" smtClean="0"/>
-              <a:t>‹#›</a:t>
+              <a:t>‹N°›</a:t>
             </a:fld>
             <a:endParaRPr lang="fr-FR"/>
           </a:p>
@@ -7708,7 +7708,7 @@
           <p:cNvPr id="2" name="Titre 1">
             <a:extLst>
               <a:ext uri="{FF2B5EF4-FFF2-40B4-BE49-F238E27FC236}">
-                <a16:creationId xmlns:a16="http://schemas.microsoft.com/office/drawing/2014/main" xmlns="" id="{3CD0E6F3-12A6-4904-B5F8-0546E22B1C8B}"/>
+                <a16:creationId xmlns="" xmlns:a16="http://schemas.microsoft.com/office/drawing/2014/main" id="{3CD0E6F3-12A6-4904-B5F8-0546E22B1C8B}"/>
               </a:ext>
             </a:extLst>
           </p:cNvPr>
@@ -7741,7 +7741,7 @@
           <p:cNvPr id="3" name="Sous-titre 2">
             <a:extLst>
               <a:ext uri="{FF2B5EF4-FFF2-40B4-BE49-F238E27FC236}">
-                <a16:creationId xmlns:a16="http://schemas.microsoft.com/office/drawing/2014/main" xmlns="" id="{6F80A6E5-EE73-4D3E-91C3-208402D2C842}"/>
+                <a16:creationId xmlns="" xmlns:a16="http://schemas.microsoft.com/office/drawing/2014/main" id="{6F80A6E5-EE73-4D3E-91C3-208402D2C842}"/>
               </a:ext>
             </a:extLst>
           </p:cNvPr>
@@ -7776,7 +7776,7 @@
           <p:cNvPr id="4" name="ZoneTexte 3">
             <a:extLst>
               <a:ext uri="{FF2B5EF4-FFF2-40B4-BE49-F238E27FC236}">
-                <a16:creationId xmlns:a16="http://schemas.microsoft.com/office/drawing/2014/main" xmlns="" id="{EF36FBD9-A202-4B32-8C93-44073C5E8F42}"/>
+                <a16:creationId xmlns="" xmlns:a16="http://schemas.microsoft.com/office/drawing/2014/main" id="{EF36FBD9-A202-4B32-8C93-44073C5E8F42}"/>
               </a:ext>
             </a:extLst>
           </p:cNvPr>
@@ -7818,7 +7818,15 @@
           <a:p>
             <a:r>
               <a:rPr lang="fr-FR" dirty="0"/>
-              <a:t>IDRISS AIT SIELARABI </a:t>
+              <a:t>IDRISS </a:t>
+            </a:r>
+            <a:r>
+              <a:rPr lang="fr-FR"/>
+              <a:t>AIT </a:t>
+            </a:r>
+            <a:r>
+              <a:rPr lang="fr-FR" smtClean="0"/>
+              <a:t>SI EL ARABI </a:t>
             </a:r>
             <a:endParaRPr lang="fr-FR" b="1" dirty="0"/>
           </a:p>
@@ -7866,7 +7874,7 @@
           <p:cNvPr id="2" name="Titre 1">
             <a:extLst>
               <a:ext uri="{FF2B5EF4-FFF2-40B4-BE49-F238E27FC236}">
-                <a16:creationId xmlns:a16="http://schemas.microsoft.com/office/drawing/2014/main" xmlns="" id="{E3DFEB6A-87DD-4873-A6CC-10B868FA08DF}"/>
+                <a16:creationId xmlns="" xmlns:a16="http://schemas.microsoft.com/office/drawing/2014/main" id="{E3DFEB6A-87DD-4873-A6CC-10B868FA08DF}"/>
               </a:ext>
             </a:extLst>
           </p:cNvPr>
@@ -7896,7 +7904,7 @@
           <p:cNvPr id="3" name="Espace réservé du contenu 2">
             <a:extLst>
               <a:ext uri="{FF2B5EF4-FFF2-40B4-BE49-F238E27FC236}">
-                <a16:creationId xmlns:a16="http://schemas.microsoft.com/office/drawing/2014/main" xmlns="" id="{69CB01BF-6A35-4A4E-88EB-9A76330E6052}"/>
+                <a16:creationId xmlns="" xmlns:a16="http://schemas.microsoft.com/office/drawing/2014/main" id="{69CB01BF-6A35-4A4E-88EB-9A76330E6052}"/>
               </a:ext>
             </a:extLst>
           </p:cNvPr>
@@ -7982,7 +7990,7 @@
           <p:cNvPr id="2" name="Titre 1">
             <a:extLst>
               <a:ext uri="{FF2B5EF4-FFF2-40B4-BE49-F238E27FC236}">
-                <a16:creationId xmlns:a16="http://schemas.microsoft.com/office/drawing/2014/main" xmlns="" id="{6A1761F0-7A80-4224-B44E-37B504C3A072}"/>
+                <a16:creationId xmlns="" xmlns:a16="http://schemas.microsoft.com/office/drawing/2014/main" id="{6A1761F0-7A80-4224-B44E-37B504C3A072}"/>
               </a:ext>
             </a:extLst>
           </p:cNvPr>
@@ -12130,7 +12138,7 @@
           <p:cNvPr id="2" name="Titre 1">
             <a:extLst>
               <a:ext uri="{FF2B5EF4-FFF2-40B4-BE49-F238E27FC236}">
-                <a16:creationId xmlns:a16="http://schemas.microsoft.com/office/drawing/2014/main" xmlns="" id="{86B26639-F11D-464B-BEF4-18F0D9E80DB8}"/>
+                <a16:creationId xmlns="" xmlns:a16="http://schemas.microsoft.com/office/drawing/2014/main" id="{86B26639-F11D-464B-BEF4-18F0D9E80DB8}"/>
               </a:ext>
             </a:extLst>
           </p:cNvPr>
@@ -12314,7 +12322,7 @@
           <p:cNvPr id="2" name="Titre 1">
             <a:extLst>
               <a:ext uri="{FF2B5EF4-FFF2-40B4-BE49-F238E27FC236}">
-                <a16:creationId xmlns:a16="http://schemas.microsoft.com/office/drawing/2014/main" xmlns="" id="{8FB685D7-1806-4FD9-87DB-E67276E29025}"/>
+                <a16:creationId xmlns="" xmlns:a16="http://schemas.microsoft.com/office/drawing/2014/main" id="{8FB685D7-1806-4FD9-87DB-E67276E29025}"/>
               </a:ext>
             </a:extLst>
           </p:cNvPr>
@@ -12342,7 +12350,7 @@
           <p:cNvPr id="3" name="Espace réservé du contenu 2">
             <a:extLst>
               <a:ext uri="{FF2B5EF4-FFF2-40B4-BE49-F238E27FC236}">
-                <a16:creationId xmlns:a16="http://schemas.microsoft.com/office/drawing/2014/main" xmlns="" id="{C2999A97-A144-4DC0-A0E3-C821511298EC}"/>
+                <a16:creationId xmlns="" xmlns:a16="http://schemas.microsoft.com/office/drawing/2014/main" id="{C2999A97-A144-4DC0-A0E3-C821511298EC}"/>
               </a:ext>
             </a:extLst>
           </p:cNvPr>
@@ -12697,7 +12705,7 @@
           <p:cNvPr id="4" name="Titre 1">
             <a:extLst>
               <a:ext uri="{FF2B5EF4-FFF2-40B4-BE49-F238E27FC236}">
-                <a16:creationId xmlns:a16="http://schemas.microsoft.com/office/drawing/2014/main" xmlns="" id="{5533968A-C80C-4ADF-9375-14DD9A34F288}"/>
+                <a16:creationId xmlns="" xmlns:a16="http://schemas.microsoft.com/office/drawing/2014/main" id="{5533968A-C80C-4ADF-9375-14DD9A34F288}"/>
               </a:ext>
             </a:extLst>
           </p:cNvPr>
@@ -12767,7 +12775,7 @@
           <p:cNvPr id="2" name="Titre 1">
             <a:extLst>
               <a:ext uri="{FF2B5EF4-FFF2-40B4-BE49-F238E27FC236}">
-                <a16:creationId xmlns:a16="http://schemas.microsoft.com/office/drawing/2014/main" xmlns="" id="{E5D6DFDF-A611-4D47-BBB7-EAFBDC439C02}"/>
+                <a16:creationId xmlns="" xmlns:a16="http://schemas.microsoft.com/office/drawing/2014/main" id="{E5D6DFDF-A611-4D47-BBB7-EAFBDC439C02}"/>
               </a:ext>
             </a:extLst>
           </p:cNvPr>
@@ -12795,7 +12803,7 @@
           <p:cNvPr id="3" name="Espace réservé du contenu 2">
             <a:extLst>
               <a:ext uri="{FF2B5EF4-FFF2-40B4-BE49-F238E27FC236}">
-                <a16:creationId xmlns:a16="http://schemas.microsoft.com/office/drawing/2014/main" xmlns="" id="{326C9D15-7FEB-4596-BF7D-BC5E57015B7E}"/>
+                <a16:creationId xmlns="" xmlns:a16="http://schemas.microsoft.com/office/drawing/2014/main" id="{326C9D15-7FEB-4596-BF7D-BC5E57015B7E}"/>
               </a:ext>
             </a:extLst>
           </p:cNvPr>
@@ -13069,7 +13077,7 @@
           <p:cNvPr id="2" name="Titre 1">
             <a:extLst>
               <a:ext uri="{FF2B5EF4-FFF2-40B4-BE49-F238E27FC236}">
-                <a16:creationId xmlns:a16="http://schemas.microsoft.com/office/drawing/2014/main" xmlns="" id="{D101077D-60D8-460C-996F-DE88BA3F9308}"/>
+                <a16:creationId xmlns="" xmlns:a16="http://schemas.microsoft.com/office/drawing/2014/main" id="{D101077D-60D8-460C-996F-DE88BA3F9308}"/>
               </a:ext>
             </a:extLst>
           </p:cNvPr>
@@ -13097,7 +13105,7 @@
           <p:cNvPr id="3" name="Espace réservé du contenu 2">
             <a:extLst>
               <a:ext uri="{FF2B5EF4-FFF2-40B4-BE49-F238E27FC236}">
-                <a16:creationId xmlns:a16="http://schemas.microsoft.com/office/drawing/2014/main" xmlns="" id="{FD234C09-5A8C-41B9-8594-975339A46848}"/>
+                <a16:creationId xmlns="" xmlns:a16="http://schemas.microsoft.com/office/drawing/2014/main" id="{FD234C09-5A8C-41B9-8594-975339A46848}"/>
               </a:ext>
             </a:extLst>
           </p:cNvPr>
@@ -13224,7 +13232,7 @@
           <p:cNvPr id="2" name="Titre 1">
             <a:extLst>
               <a:ext uri="{FF2B5EF4-FFF2-40B4-BE49-F238E27FC236}">
-                <a16:creationId xmlns:a16="http://schemas.microsoft.com/office/drawing/2014/main" xmlns="" id="{AE2B0AAE-7CC7-4FFD-9AA6-84EB07594CCD}"/>
+                <a16:creationId xmlns="" xmlns:a16="http://schemas.microsoft.com/office/drawing/2014/main" id="{AE2B0AAE-7CC7-4FFD-9AA6-84EB07594CCD}"/>
               </a:ext>
             </a:extLst>
           </p:cNvPr>
@@ -13321,7 +13329,7 @@
           <p:cNvPr id="6" name="Titre 1">
             <a:extLst>
               <a:ext uri="{FF2B5EF4-FFF2-40B4-BE49-F238E27FC236}">
-                <a16:creationId xmlns:a16="http://schemas.microsoft.com/office/drawing/2014/main" xmlns="" id="{AE2B0AAE-7CC7-4FFD-9AA6-84EB07594CCD}"/>
+                <a16:creationId xmlns="" xmlns:a16="http://schemas.microsoft.com/office/drawing/2014/main" id="{AE2B0AAE-7CC7-4FFD-9AA6-84EB07594CCD}"/>
               </a:ext>
             </a:extLst>
           </p:cNvPr>
@@ -13952,7 +13960,7 @@
           <p:cNvPr id="2" name="Titre 1">
             <a:extLst>
               <a:ext uri="{FF2B5EF4-FFF2-40B4-BE49-F238E27FC236}">
-                <a16:creationId xmlns:a16="http://schemas.microsoft.com/office/drawing/2014/main" xmlns="" id="{6B4C312D-F462-4B1B-A70B-F74BA5BC54E9}"/>
+                <a16:creationId xmlns="" xmlns:a16="http://schemas.microsoft.com/office/drawing/2014/main" id="{6B4C312D-F462-4B1B-A70B-F74BA5BC54E9}"/>
               </a:ext>
             </a:extLst>
           </p:cNvPr>
@@ -13980,7 +13988,7 @@
           <p:cNvPr id="3" name="Espace réservé du contenu 2">
             <a:extLst>
               <a:ext uri="{FF2B5EF4-FFF2-40B4-BE49-F238E27FC236}">
-                <a16:creationId xmlns:a16="http://schemas.microsoft.com/office/drawing/2014/main" xmlns="" id="{EC19B2E1-1ACF-4678-B5F6-88A656900FE6}"/>
+                <a16:creationId xmlns="" xmlns:a16="http://schemas.microsoft.com/office/drawing/2014/main" id="{EC19B2E1-1ACF-4678-B5F6-88A656900FE6}"/>
               </a:ext>
             </a:extLst>
           </p:cNvPr>
@@ -14042,7 +14050,7 @@
           <p:cNvPr id="2" name="Titre 1">
             <a:extLst>
               <a:ext uri="{FF2B5EF4-FFF2-40B4-BE49-F238E27FC236}">
-                <a16:creationId xmlns:a16="http://schemas.microsoft.com/office/drawing/2014/main" xmlns="" id="{53332AED-05F2-45B4-B6E4-B04CAB8D9C9D}"/>
+                <a16:creationId xmlns="" xmlns:a16="http://schemas.microsoft.com/office/drawing/2014/main" id="{53332AED-05F2-45B4-B6E4-B04CAB8D9C9D}"/>
               </a:ext>
             </a:extLst>
           </p:cNvPr>
@@ -14070,7 +14078,7 @@
           <p:cNvPr id="3" name="Espace réservé du contenu 2">
             <a:extLst>
               <a:ext uri="{FF2B5EF4-FFF2-40B4-BE49-F238E27FC236}">
-                <a16:creationId xmlns:a16="http://schemas.microsoft.com/office/drawing/2014/main" xmlns="" id="{C1AD64AF-3450-4206-9CB1-28D0BF6EEB31}"/>
+                <a16:creationId xmlns="" xmlns:a16="http://schemas.microsoft.com/office/drawing/2014/main" id="{C1AD64AF-3450-4206-9CB1-28D0BF6EEB31}"/>
               </a:ext>
             </a:extLst>
           </p:cNvPr>
@@ -14144,7 +14152,7 @@
           <p:cNvPr id="2" name="Titre 1">
             <a:extLst>
               <a:ext uri="{FF2B5EF4-FFF2-40B4-BE49-F238E27FC236}">
-                <a16:creationId xmlns:a16="http://schemas.microsoft.com/office/drawing/2014/main" xmlns="" id="{E8A24E94-57D8-48F8-87E9-663F5DC4CE9B}"/>
+                <a16:creationId xmlns="" xmlns:a16="http://schemas.microsoft.com/office/drawing/2014/main" id="{E8A24E94-57D8-48F8-87E9-663F5DC4CE9B}"/>
               </a:ext>
             </a:extLst>
           </p:cNvPr>
@@ -14214,7 +14222,7 @@
           <p:cNvPr id="2" name="Titre 1">
             <a:extLst>
               <a:ext uri="{FF2B5EF4-FFF2-40B4-BE49-F238E27FC236}">
-                <a16:creationId xmlns:a16="http://schemas.microsoft.com/office/drawing/2014/main" xmlns="" id="{07180EFC-A6EE-4C55-975B-648F26B1E41C}"/>
+                <a16:creationId xmlns="" xmlns:a16="http://schemas.microsoft.com/office/drawing/2014/main" id="{07180EFC-A6EE-4C55-975B-648F26B1E41C}"/>
               </a:ext>
             </a:extLst>
           </p:cNvPr>
@@ -14244,7 +14252,7 @@
           <p:cNvPr id="3" name="Espace réservé du contenu 2">
             <a:extLst>
               <a:ext uri="{FF2B5EF4-FFF2-40B4-BE49-F238E27FC236}">
-                <a16:creationId xmlns:a16="http://schemas.microsoft.com/office/drawing/2014/main" xmlns="" id="{25F2D122-8BBA-4DB4-B1BD-7995EDE8E3EC}"/>
+                <a16:creationId xmlns="" xmlns:a16="http://schemas.microsoft.com/office/drawing/2014/main" id="{25F2D122-8BBA-4DB4-B1BD-7995EDE8E3EC}"/>
               </a:ext>
             </a:extLst>
           </p:cNvPr>
@@ -14345,7 +14353,7 @@
           <p:cNvPr id="2" name="Titre 1">
             <a:extLst>
               <a:ext uri="{FF2B5EF4-FFF2-40B4-BE49-F238E27FC236}">
-                <a16:creationId xmlns:a16="http://schemas.microsoft.com/office/drawing/2014/main" xmlns="" id="{C6B748FB-14EC-46F8-A42A-04A4C0E4D263}"/>
+                <a16:creationId xmlns="" xmlns:a16="http://schemas.microsoft.com/office/drawing/2014/main" id="{C6B748FB-14EC-46F8-A42A-04A4C0E4D263}"/>
               </a:ext>
             </a:extLst>
           </p:cNvPr>
@@ -14375,7 +14383,7 @@
           <p:cNvPr id="3" name="Espace réservé du contenu 2">
             <a:extLst>
               <a:ext uri="{FF2B5EF4-FFF2-40B4-BE49-F238E27FC236}">
-                <a16:creationId xmlns:a16="http://schemas.microsoft.com/office/drawing/2014/main" xmlns="" id="{8949D94C-E466-48BD-89BE-864516FD4416}"/>
+                <a16:creationId xmlns="" xmlns:a16="http://schemas.microsoft.com/office/drawing/2014/main" id="{8949D94C-E466-48BD-89BE-864516FD4416}"/>
               </a:ext>
             </a:extLst>
           </p:cNvPr>
@@ -14476,7 +14484,7 @@
           <p:cNvPr id="4" name="Titre 1">
             <a:extLst>
               <a:ext uri="{FF2B5EF4-FFF2-40B4-BE49-F238E27FC236}">
-                <a16:creationId xmlns:a16="http://schemas.microsoft.com/office/drawing/2014/main" xmlns="" id="{C8F1ECB5-6D24-40EB-A626-661613C0577D}"/>
+                <a16:creationId xmlns="" xmlns:a16="http://schemas.microsoft.com/office/drawing/2014/main" id="{C8F1ECB5-6D24-40EB-A626-661613C0577D}"/>
               </a:ext>
             </a:extLst>
           </p:cNvPr>
@@ -14546,7 +14554,7 @@
           <p:cNvPr id="2" name="Titre 1">
             <a:extLst>
               <a:ext uri="{FF2B5EF4-FFF2-40B4-BE49-F238E27FC236}">
-                <a16:creationId xmlns:a16="http://schemas.microsoft.com/office/drawing/2014/main" xmlns="" id="{CBA496F7-933A-41B0-A1E8-9488DC10A43D}"/>
+                <a16:creationId xmlns="" xmlns:a16="http://schemas.microsoft.com/office/drawing/2014/main" id="{CBA496F7-933A-41B0-A1E8-9488DC10A43D}"/>
               </a:ext>
             </a:extLst>
           </p:cNvPr>
@@ -15222,7 +15230,7 @@
     </a:clrScheme>
     <a:fontScheme name="Brin">
       <a:majorFont>
-        <a:latin typeface="Century Gothic" panose="020B0502020202020204"/>
+        <a:latin typeface="Century Gothic"/>
         <a:ea typeface=""/>
         <a:cs typeface=""/>
         <a:font script="Jpan" typeface="メイリオ"/>
@@ -15257,7 +15265,7 @@
         <a:font script="Geor" typeface="Sylfaen"/>
       </a:majorFont>
       <a:minorFont>
-        <a:latin typeface="Century Gothic" panose="020B0502020202020204"/>
+        <a:latin typeface="Century Gothic"/>
         <a:ea typeface=""/>
         <a:cs typeface=""/>
         <a:font script="Jpan" typeface="メイリオ"/>
@@ -15416,28 +15424,13 @@
   <a:extraClrSchemeLst/>
   <a:extLst>
     <a:ext uri="{05A4C25C-085E-4340-85A3-A5531E510DB2}">
-      <thm15:themeFamily xmlns:thm15="http://schemas.microsoft.com/office/thememl/2012/main" name="Wisp" id="{7CB32D59-10C0-40DD-B7BD-2E94284A981C}" vid="{24B1A44C-C006-48B2-A4D7-E5549B3D8CD4}"/>
+      <thm15:themeFamily xmlns:thm15="http://schemas.microsoft.com/office/thememl/2012/main" xmlns="" name="Wisp" id="{7CB32D59-10C0-40DD-B7BD-2E94284A981C}" vid="{24B1A44C-C006-48B2-A4D7-E5549B3D8CD4}"/>
     </a:ext>
   </a:extLst>
 </a:theme>
 </file>
 
 <file path=customXml/item1.xml><?xml version="1.0" encoding="utf-8"?>
-<p:properties xmlns:p="http://schemas.microsoft.com/office/2006/metadata/properties" xmlns:xsi="http://www.w3.org/2001/XMLSchema-instance" xmlns:pc="http://schemas.microsoft.com/office/infopath/2007/PartnerControls">
-  <documentManagement/>
-</p:properties>
-</file>
-
-<file path=customXml/item2.xml><?xml version="1.0" encoding="utf-8"?>
-<?mso-contentType ?>
-<FormTemplates xmlns="http://schemas.microsoft.com/sharepoint/v3/contenttype/forms">
-  <Display>DocumentLibraryForm</Display>
-  <Edit>DocumentLibraryForm</Edit>
-  <New>DocumentLibraryForm</New>
-</FormTemplates>
-</file>
-
-<file path=customXml/item3.xml><?xml version="1.0" encoding="utf-8"?>
 <ct:contentTypeSchema xmlns:ct="http://schemas.microsoft.com/office/2006/metadata/contentType" xmlns:ma="http://schemas.microsoft.com/office/2006/metadata/properties/metaAttributes" ct:_="" ma:_="" ma:contentTypeName="Document" ma:contentTypeID="0x01010036079563CDFC254891F6D62582790973" ma:contentTypeVersion="9" ma:contentTypeDescription="Crée un document." ma:contentTypeScope="" ma:versionID="0538e3f8e84d181a0843551ef9487b5a">
   <xsd:schema xmlns:xsd="http://www.w3.org/2001/XMLSchema" xmlns:xs="http://www.w3.org/2001/XMLSchema" xmlns:p="http://schemas.microsoft.com/office/2006/metadata/properties" xmlns:ns2="5d1167ab-d626-40b4-a6ce-542099326882" xmlns:ns3="01c023f0-3fa2-4545-afda-0192f9544699" targetNamespace="http://schemas.microsoft.com/office/2006/metadata/properties" ma:root="true" ma:fieldsID="7eedf675d09c21014a00909436e4b6db" ns2:_="" ns3:_="">
     <xsd:import namespace="5d1167ab-d626-40b4-a6ce-542099326882"/>
@@ -15634,24 +15627,22 @@
 </ct:contentTypeSchema>
 </file>
 
-<file path=customXml/itemProps1.xml><?xml version="1.0" encoding="utf-8"?>
-<ds:datastoreItem xmlns:ds="http://schemas.openxmlformats.org/officeDocument/2006/customXml" ds:itemID="{8F2E59F0-4C46-48CF-AE0F-47F5029C8F45}">
-  <ds:schemaRefs>
-    <ds:schemaRef ds:uri="http://schemas.microsoft.com/office/2006/metadata/properties"/>
-    <ds:schemaRef ds:uri="http://schemas.microsoft.com/office/infopath/2007/PartnerControls"/>
-  </ds:schemaRefs>
-</ds:datastoreItem>
+<file path=customXml/item2.xml><?xml version="1.0" encoding="utf-8"?>
+<?mso-contentType ?>
+<FormTemplates xmlns="http://schemas.microsoft.com/sharepoint/v3/contenttype/forms">
+  <Display>DocumentLibraryForm</Display>
+  <Edit>DocumentLibraryForm</Edit>
+  <New>DocumentLibraryForm</New>
+</FormTemplates>
 </file>
 
-<file path=customXml/itemProps2.xml><?xml version="1.0" encoding="utf-8"?>
-<ds:datastoreItem xmlns:ds="http://schemas.openxmlformats.org/officeDocument/2006/customXml" ds:itemID="{BA639EFE-B05F-46B2-B03E-C2B3F90F76B4}">
-  <ds:schemaRefs>
-    <ds:schemaRef ds:uri="http://schemas.microsoft.com/sharepoint/v3/contenttype/forms"/>
-  </ds:schemaRefs>
-</ds:datastoreItem>
+<file path=customXml/item3.xml><?xml version="1.0" encoding="utf-8"?>
+<p:properties xmlns:p="http://schemas.microsoft.com/office/2006/metadata/properties" xmlns:xsi="http://www.w3.org/2001/XMLSchema-instance" xmlns:pc="http://schemas.microsoft.com/office/infopath/2007/PartnerControls">
+  <documentManagement/>
+</p:properties>
 </file>
 
-<file path=customXml/itemProps3.xml><?xml version="1.0" encoding="utf-8"?>
+<file path=customXml/itemProps1.xml><?xml version="1.0" encoding="utf-8"?>
 <ds:datastoreItem xmlns:ds="http://schemas.openxmlformats.org/officeDocument/2006/customXml" ds:itemID="{4E4DCB44-1F54-48DB-BCE6-E9E56E2CE40E}">
   <ds:schemaRefs>
     <ds:schemaRef ds:uri="http://schemas.microsoft.com/office/2006/metadata/contentType"/>
@@ -15668,4 +15659,21 @@
     <ds:schemaRef ds:uri="http://schemas.microsoft.com/internal/obd"/>
   </ds:schemaRefs>
 </ds:datastoreItem>
+</file>
+
+<file path=customXml/itemProps2.xml><?xml version="1.0" encoding="utf-8"?>
+<ds:datastoreItem xmlns:ds="http://schemas.openxmlformats.org/officeDocument/2006/customXml" ds:itemID="{BA639EFE-B05F-46B2-B03E-C2B3F90F76B4}">
+  <ds:schemaRefs>
+    <ds:schemaRef ds:uri="http://schemas.microsoft.com/sharepoint/v3/contenttype/forms"/>
+  </ds:schemaRefs>
+</ds:datastoreItem>
+</file>
+
+<file path=customXml/itemProps3.xml><?xml version="1.0" encoding="utf-8"?>
+<ds:datastoreItem xmlns:ds="http://schemas.openxmlformats.org/officeDocument/2006/customXml" ds:itemID="{8F2E59F0-4C46-48CF-AE0F-47F5029C8F45}">
+  <ds:schemaRefs>
+    <ds:schemaRef ds:uri="http://schemas.microsoft.com/office/2006/metadata/properties"/>
+    <ds:schemaRef ds:uri="http://schemas.microsoft.com/office/infopath/2007/PartnerControls"/>
+  </ds:schemaRefs>
+</ds:datastoreItem>
 </file>